--- a/doc/D3/D3_presentation.pptx
+++ b/doc/D3/D3_presentation.pptx
@@ -7,21 +7,15 @@
   <p:sldIdLst>
     <p:sldId id="256" r:id="rId2"/>
     <p:sldId id="257" r:id="rId3"/>
-    <p:sldId id="267" r:id="rId4"/>
-    <p:sldId id="258" r:id="rId5"/>
-    <p:sldId id="268" r:id="rId6"/>
-    <p:sldId id="269" r:id="rId7"/>
-    <p:sldId id="259" r:id="rId8"/>
-    <p:sldId id="270" r:id="rId9"/>
-    <p:sldId id="260" r:id="rId10"/>
-    <p:sldId id="271" r:id="rId11"/>
-    <p:sldId id="261" r:id="rId12"/>
-    <p:sldId id="262" r:id="rId13"/>
-    <p:sldId id="263" r:id="rId14"/>
-    <p:sldId id="264" r:id="rId15"/>
-    <p:sldId id="265" r:id="rId16"/>
-    <p:sldId id="266" r:id="rId17"/>
-    <p:sldId id="272" r:id="rId18"/>
+    <p:sldId id="258" r:id="rId4"/>
+    <p:sldId id="273" r:id="rId5"/>
+    <p:sldId id="274" r:id="rId6"/>
+    <p:sldId id="275" r:id="rId7"/>
+    <p:sldId id="268" r:id="rId8"/>
+    <p:sldId id="269" r:id="rId9"/>
+    <p:sldId id="259" r:id="rId10"/>
+    <p:sldId id="270" r:id="rId11"/>
+    <p:sldId id="272" r:id="rId12"/>
   </p:sldIdLst>
   <p:sldSz cx="9144000" cy="6858000" type="screen4x3"/>
   <p:notesSz cx="6858000" cy="9144000"/>
@@ -195,7 +189,7 @@
             <a:fld id="{1C295150-4FD7-4802-B0EB-D52217513A72}" type="datetime1">
               <a:rPr lang="en-US" smtClean="0"/>
               <a:pPr/>
-              <a:t>18/4/25</a:t>
+              <a:t>18/5/15</a:t>
             </a:fld>
             <a:endParaRPr lang="en-US" dirty="0"/>
           </a:p>
@@ -722,7 +716,7 @@
             <a:fld id="{0461895A-832A-4167-BE9B-7448CA062309}" type="datetime1">
               <a:rPr lang="en-US" smtClean="0"/>
               <a:pPr/>
-              <a:t>18/4/25</a:t>
+              <a:t>18/5/15</a:t>
             </a:fld>
             <a:endParaRPr lang="en-US"/>
           </a:p>
@@ -1038,7 +1032,7 @@
             <a:fld id="{227571FF-D602-4BB6-9683-7A1E909D4296}" type="datetime1">
               <a:rPr lang="en-US" smtClean="0"/>
               <a:pPr/>
-              <a:t>18/4/25</a:t>
+              <a:t>18/5/15</a:t>
             </a:fld>
             <a:endParaRPr lang="en-US"/>
           </a:p>
@@ -1326,7 +1320,7 @@
             <a:fld id="{FC392BEB-5202-498C-89F7-BBD3BEE1B887}" type="datetime1">
               <a:rPr lang="en-US" smtClean="0"/>
               <a:pPr/>
-              <a:t>18/4/25</a:t>
+              <a:t>18/5/15</a:t>
             </a:fld>
             <a:endParaRPr lang="en-US"/>
           </a:p>
@@ -1903,7 +1897,7 @@
             <a:fld id="{D242B6C6-10FF-4510-A888-F0B9C6A788B0}" type="datetime1">
               <a:rPr lang="en-US" smtClean="0"/>
               <a:pPr/>
-              <a:t>18/4/25</a:t>
+              <a:t>18/5/15</a:t>
             </a:fld>
             <a:endParaRPr lang="en-US"/>
           </a:p>
@@ -1995,7 +1989,7 @@
             <a:fld id="{C2847B31-A4E1-4FCE-8661-5EC33A675437}" type="datetime1">
               <a:rPr lang="en-US" smtClean="0"/>
               <a:pPr/>
-              <a:t>18/4/25</a:t>
+              <a:t>18/5/15</a:t>
             </a:fld>
             <a:endParaRPr lang="en-US"/>
           </a:p>
@@ -2706,7 +2700,7 @@
             <a:fld id="{7CAD832D-B7F8-4A85-B115-3F84BE9AC26D}" type="datetime1">
               <a:rPr lang="en-US" smtClean="0"/>
               <a:pPr/>
-              <a:t>18/4/25</a:t>
+              <a:t>18/5/15</a:t>
             </a:fld>
             <a:endParaRPr lang="en-US"/>
           </a:p>
@@ -2960,7 +2954,7 @@
             <a:fld id="{E10B34F3-05F7-41C1-B84E-68CE2E00C83C}" type="datetime1">
               <a:rPr lang="en-US" smtClean="0"/>
               <a:pPr/>
-              <a:t>18/4/25</a:t>
+              <a:t>18/5/15</a:t>
             </a:fld>
             <a:endParaRPr lang="en-US"/>
           </a:p>
@@ -3191,7 +3185,7 @@
             <a:fld id="{B8D47F82-2B2E-4837-B3AB-C94C672FBECB}" type="datetime1">
               <a:rPr lang="en-US" smtClean="0"/>
               <a:pPr/>
-              <a:t>18/4/25</a:t>
+              <a:t>18/5/15</a:t>
             </a:fld>
             <a:endParaRPr lang="en-US"/>
           </a:p>
@@ -3467,7 +3461,7 @@
             <a:fld id="{81E57738-F4B0-48EA-9B71-E0F723F8BF6C}" type="datetime1">
               <a:rPr lang="en-US" smtClean="0"/>
               <a:pPr/>
-              <a:t>18/4/25</a:t>
+              <a:t>18/5/15</a:t>
             </a:fld>
             <a:endParaRPr lang="en-US"/>
           </a:p>
@@ -3755,7 +3749,7 @@
             <a:fld id="{E600D5EF-7D26-425F-8C45-B9312ACE18BC}" type="datetime1">
               <a:rPr lang="en-US" smtClean="0"/>
               <a:pPr/>
-              <a:t>18/4/25</a:t>
+              <a:t>18/5/15</a:t>
             </a:fld>
             <a:endParaRPr lang="en-US"/>
           </a:p>
@@ -4025,7 +4019,7 @@
             <a:fld id="{F1909345-DEE0-4B07-8E32-441AC9DA095E}" type="datetime1">
               <a:rPr lang="en-US" smtClean="0"/>
               <a:pPr/>
-              <a:t>18/4/25</a:t>
+              <a:t>18/5/15</a:t>
             </a:fld>
             <a:endParaRPr lang="en-US" dirty="0"/>
           </a:p>
@@ -4605,41 +4599,82 @@
           <a:p>
             <a:r>
               <a:rPr kumimoji="1" lang="en-US" altLang="zh-CN" dirty="0" smtClean="0"/>
-              <a:t>Sentence Score</a:t>
+              <a:t>Related reading</a:t>
             </a:r>
             <a:endParaRPr kumimoji="1" lang="zh-CN" altLang="en-US" dirty="0"/>
           </a:p>
         </p:txBody>
       </p:sp>
-      <p:pic>
-        <p:nvPicPr>
-          <p:cNvPr id="5" name="内容占位符 4" descr="Screen Shot 2018-04-26 at 12.27.58 AM.png"/>
-          <p:cNvPicPr>
-            <a:picLocks noGrp="1" noChangeAspect="1"/>
-          </p:cNvPicPr>
+      <p:sp>
+        <p:nvSpPr>
+          <p:cNvPr id="2" name="内容占位符 1"/>
+          <p:cNvSpPr>
+            <a:spLocks noGrp="1"/>
+          </p:cNvSpPr>
           <p:nvPr>
             <p:ph idx="1"/>
           </p:nvPr>
-        </p:nvPicPr>
-        <p:blipFill>
-          <a:blip r:embed="rId2">
-            <a:extLst>
-              <a:ext uri="{28A0092B-C50C-407E-A947-70E740481C1C}">
-                <a14:useLocalDpi xmlns:a14="http://schemas.microsoft.com/office/drawing/2010/main" val="0"/>
-              </a:ext>
-            </a:extLst>
-          </a:blip>
-          <a:srcRect t="-112489" b="-112489"/>
-          <a:stretch>
-            <a:fillRect/>
-          </a:stretch>
-        </p:blipFill>
+        </p:nvSpPr>
         <p:spPr/>
-      </p:pic>
+        <p:txBody>
+          <a:bodyPr/>
+          <a:lstStyle/>
+          <a:p>
+            <a:r>
+              <a:rPr kumimoji="1" lang="en-US" altLang="zh-CN" dirty="0">
+                <a:hlinkClick r:id="rId2"/>
+              </a:rPr>
+              <a:t>http://brandonrose.org/</a:t>
+            </a:r>
+            <a:r>
+              <a:rPr kumimoji="1" lang="en-US" altLang="zh-CN" dirty="0" smtClean="0">
+                <a:hlinkClick r:id="rId2"/>
+              </a:rPr>
+              <a:t>clustering</a:t>
+            </a:r>
+            <a:endParaRPr kumimoji="1" lang="en-US" altLang="zh-CN" dirty="0" smtClean="0"/>
+          </a:p>
+          <a:p>
+            <a:pPr lvl="1"/>
+            <a:r>
+              <a:rPr kumimoji="1" lang="en-US" altLang="zh-CN" dirty="0" err="1"/>
+              <a:t>Tf-idf</a:t>
+            </a:r>
+            <a:r>
+              <a:rPr kumimoji="1" lang="en-US" altLang="zh-CN" dirty="0"/>
+              <a:t> and document similarity</a:t>
+            </a:r>
+          </a:p>
+          <a:p>
+            <a:pPr lvl="1"/>
+            <a:r>
+              <a:rPr kumimoji="1" lang="en-US" altLang="zh-CN" dirty="0"/>
+              <a:t>K-means clustering</a:t>
+            </a:r>
+          </a:p>
+          <a:p>
+            <a:pPr lvl="1"/>
+            <a:r>
+              <a:rPr kumimoji="1" lang="en-US" altLang="zh-CN" dirty="0"/>
+              <a:t>Multidimensional </a:t>
+            </a:r>
+            <a:r>
+              <a:rPr kumimoji="1" lang="en-US" altLang="zh-CN" dirty="0" smtClean="0"/>
+              <a:t>scaling</a:t>
+            </a:r>
+          </a:p>
+          <a:p>
+            <a:endParaRPr kumimoji="1" lang="en-US" altLang="zh-CN" dirty="0"/>
+          </a:p>
+          <a:p>
+            <a:endParaRPr kumimoji="1" lang="zh-CN" altLang="en-US" dirty="0"/>
+          </a:p>
+        </p:txBody>
+      </p:sp>
     </p:spTree>
     <p:extLst>
       <p:ext uri="{BB962C8B-B14F-4D97-AF65-F5344CB8AC3E}">
-        <p14:creationId xmlns:p14="http://schemas.microsoft.com/office/powerpoint/2010/main" val="2539014472"/>
+        <p14:creationId xmlns:p14="http://schemas.microsoft.com/office/powerpoint/2010/main" val="113405179"/>
       </p:ext>
     </p:extLst>
   </p:cSld>
@@ -4688,946 +4723,6 @@
           <a:bodyPr/>
           <a:lstStyle/>
           <a:p>
-            <a:r>
-              <a:rPr kumimoji="1" lang="en-US" altLang="zh-CN" smtClean="0"/>
-              <a:t>Rank </a:t>
-            </a:r>
-            <a:r>
-              <a:rPr kumimoji="1" lang="en-US" altLang="zh-CN" dirty="0" smtClean="0"/>
-              <a:t>the sentence by score  </a:t>
-            </a:r>
-          </a:p>
-          <a:p>
-            <a:endParaRPr kumimoji="1" lang="en-US" altLang="zh-CN" dirty="0"/>
-          </a:p>
-          <a:p>
-            <a:r>
-              <a:rPr kumimoji="1" lang="en-US" altLang="zh-CN" dirty="0" smtClean="0"/>
-              <a:t>Select top N sentences until the total words count reaches 100.</a:t>
-            </a:r>
-          </a:p>
-        </p:txBody>
-      </p:sp>
-      <p:sp>
-        <p:nvSpPr>
-          <p:cNvPr id="3" name="标题 2"/>
-          <p:cNvSpPr>
-            <a:spLocks noGrp="1"/>
-          </p:cNvSpPr>
-          <p:nvPr>
-            <p:ph type="title"/>
-          </p:nvPr>
-        </p:nvSpPr>
-        <p:spPr/>
-        <p:txBody>
-          <a:bodyPr/>
-          <a:lstStyle/>
-          <a:p>
-            <a:r>
-              <a:rPr kumimoji="1" lang="en-US" altLang="zh-CN" dirty="0" smtClean="0"/>
-              <a:t>Sentence Selection</a:t>
-            </a:r>
-            <a:endParaRPr kumimoji="1" lang="zh-CN" altLang="en-US" dirty="0"/>
-          </a:p>
-        </p:txBody>
-      </p:sp>
-    </p:spTree>
-    <p:extLst>
-      <p:ext uri="{BB962C8B-B14F-4D97-AF65-F5344CB8AC3E}">
-        <p14:creationId xmlns:p14="http://schemas.microsoft.com/office/powerpoint/2010/main" val="3094008305"/>
-      </p:ext>
-    </p:extLst>
-  </p:cSld>
-  <p:clrMapOvr>
-    <a:masterClrMapping/>
-  </p:clrMapOvr>
-  <p:timing>
-    <p:tnLst>
-      <p:par>
-        <p:cTn xmlns:p14="http://schemas.microsoft.com/office/powerpoint/2010/main" id="1" dur="indefinite" restart="never" nodeType="tmRoot"/>
-      </p:par>
-    </p:tnLst>
-  </p:timing>
-</p:sld>
-</file>
-
-<file path=ppt/slides/slide12.xml><?xml version="1.0" encoding="utf-8"?>
-<p:sld xmlns:a="http://schemas.openxmlformats.org/drawingml/2006/main" xmlns:r="http://schemas.openxmlformats.org/officeDocument/2006/relationships" xmlns:p="http://schemas.openxmlformats.org/presentationml/2006/main">
-  <p:cSld>
-    <p:spTree>
-      <p:nvGrpSpPr>
-        <p:cNvPr id="1" name=""/>
-        <p:cNvGrpSpPr/>
-        <p:nvPr/>
-      </p:nvGrpSpPr>
-      <p:grpSpPr>
-        <a:xfrm>
-          <a:off x="0" y="0"/>
-          <a:ext cx="0" cy="0"/>
-          <a:chOff x="0" y="0"/>
-          <a:chExt cx="0" cy="0"/>
-        </a:xfrm>
-      </p:grpSpPr>
-      <p:sp>
-        <p:nvSpPr>
-          <p:cNvPr id="2" name="内容占位符 1"/>
-          <p:cNvSpPr>
-            <a:spLocks noGrp="1"/>
-          </p:cNvSpPr>
-          <p:nvPr>
-            <p:ph idx="1"/>
-          </p:nvPr>
-        </p:nvSpPr>
-        <p:spPr/>
-        <p:txBody>
-          <a:bodyPr/>
-          <a:lstStyle/>
-          <a:p>
-            <a:r>
-              <a:rPr kumimoji="1" lang="en-US" altLang="zh-CN" dirty="0" smtClean="0"/>
-              <a:t>Sentence score weights most.</a:t>
-            </a:r>
-          </a:p>
-          <a:p>
-            <a:endParaRPr kumimoji="1" lang="en-US" altLang="zh-CN" dirty="0"/>
-          </a:p>
-          <a:p>
-            <a:r>
-              <a:rPr kumimoji="1" lang="en-US" altLang="zh-CN" dirty="0" smtClean="0"/>
-              <a:t>Influence of the doc order.</a:t>
-            </a:r>
-          </a:p>
-          <a:p>
-            <a:endParaRPr kumimoji="1" lang="en-US" altLang="zh-CN" dirty="0"/>
-          </a:p>
-          <a:p>
-            <a:r>
-              <a:rPr kumimoji="1" lang="en-US" altLang="zh-CN" dirty="0" smtClean="0"/>
-              <a:t>Doesn't care about the sentence position inside of the doc.</a:t>
-            </a:r>
-            <a:endParaRPr kumimoji="1" lang="zh-CN" altLang="en-US" dirty="0"/>
-          </a:p>
-        </p:txBody>
-      </p:sp>
-      <p:sp>
-        <p:nvSpPr>
-          <p:cNvPr id="3" name="标题 2"/>
-          <p:cNvSpPr>
-            <a:spLocks noGrp="1"/>
-          </p:cNvSpPr>
-          <p:nvPr>
-            <p:ph type="title"/>
-          </p:nvPr>
-        </p:nvSpPr>
-        <p:spPr/>
-        <p:txBody>
-          <a:bodyPr/>
-          <a:lstStyle/>
-          <a:p>
-            <a:r>
-              <a:rPr kumimoji="1" lang="en-US" altLang="zh-CN" dirty="0" smtClean="0"/>
-              <a:t>Information Ordering</a:t>
-            </a:r>
-            <a:endParaRPr kumimoji="1" lang="zh-CN" altLang="en-US" dirty="0"/>
-          </a:p>
-        </p:txBody>
-      </p:sp>
-    </p:spTree>
-    <p:extLst>
-      <p:ext uri="{BB962C8B-B14F-4D97-AF65-F5344CB8AC3E}">
-        <p14:creationId xmlns:p14="http://schemas.microsoft.com/office/powerpoint/2010/main" val="4216062431"/>
-      </p:ext>
-    </p:extLst>
-  </p:cSld>
-  <p:clrMapOvr>
-    <a:masterClrMapping/>
-  </p:clrMapOvr>
-  <p:timing>
-    <p:tnLst>
-      <p:par>
-        <p:cTn xmlns:p14="http://schemas.microsoft.com/office/powerpoint/2010/main" id="1" dur="indefinite" restart="never" nodeType="tmRoot"/>
-      </p:par>
-    </p:tnLst>
-  </p:timing>
-</p:sld>
-</file>
-
-<file path=ppt/slides/slide13.xml><?xml version="1.0" encoding="utf-8"?>
-<p:sld xmlns:a="http://schemas.openxmlformats.org/drawingml/2006/main" xmlns:r="http://schemas.openxmlformats.org/officeDocument/2006/relationships" xmlns:p="http://schemas.openxmlformats.org/presentationml/2006/main">
-  <p:cSld>
-    <p:spTree>
-      <p:nvGrpSpPr>
-        <p:cNvPr id="1" name=""/>
-        <p:cNvGrpSpPr/>
-        <p:nvPr/>
-      </p:nvGrpSpPr>
-      <p:grpSpPr>
-        <a:xfrm>
-          <a:off x="0" y="0"/>
-          <a:ext cx="0" cy="0"/>
-          <a:chOff x="0" y="0"/>
-          <a:chExt cx="0" cy="0"/>
-        </a:xfrm>
-      </p:grpSpPr>
-      <p:sp>
-        <p:nvSpPr>
-          <p:cNvPr id="2" name="内容占位符 1"/>
-          <p:cNvSpPr>
-            <a:spLocks noGrp="1"/>
-          </p:cNvSpPr>
-          <p:nvPr>
-            <p:ph idx="1"/>
-          </p:nvPr>
-        </p:nvSpPr>
-        <p:spPr/>
-        <p:txBody>
-          <a:bodyPr/>
-          <a:lstStyle/>
-          <a:p>
-            <a:r>
-              <a:rPr kumimoji="1" lang="en-US" altLang="zh-CN" dirty="0" smtClean="0"/>
-              <a:t>Not implement yet</a:t>
-            </a:r>
-            <a:endParaRPr kumimoji="1" lang="zh-CN" altLang="en-US" dirty="0"/>
-          </a:p>
-        </p:txBody>
-      </p:sp>
-      <p:sp>
-        <p:nvSpPr>
-          <p:cNvPr id="3" name="标题 2"/>
-          <p:cNvSpPr>
-            <a:spLocks noGrp="1"/>
-          </p:cNvSpPr>
-          <p:nvPr>
-            <p:ph type="title"/>
-          </p:nvPr>
-        </p:nvSpPr>
-        <p:spPr/>
-        <p:txBody>
-          <a:bodyPr/>
-          <a:lstStyle/>
-          <a:p>
-            <a:r>
-              <a:rPr kumimoji="1" lang="en-US" altLang="zh-CN" dirty="0" smtClean="0"/>
-              <a:t>Content Realization</a:t>
-            </a:r>
-            <a:endParaRPr kumimoji="1" lang="zh-CN" altLang="en-US" dirty="0"/>
-          </a:p>
-        </p:txBody>
-      </p:sp>
-    </p:spTree>
-    <p:extLst>
-      <p:ext uri="{BB962C8B-B14F-4D97-AF65-F5344CB8AC3E}">
-        <p14:creationId xmlns:p14="http://schemas.microsoft.com/office/powerpoint/2010/main" val="2435510695"/>
-      </p:ext>
-    </p:extLst>
-  </p:cSld>
-  <p:clrMapOvr>
-    <a:masterClrMapping/>
-  </p:clrMapOvr>
-  <p:timing>
-    <p:tnLst>
-      <p:par>
-        <p:cTn xmlns:p14="http://schemas.microsoft.com/office/powerpoint/2010/main" id="1" dur="indefinite" restart="never" nodeType="tmRoot"/>
-      </p:par>
-    </p:tnLst>
-  </p:timing>
-</p:sld>
-</file>
-
-<file path=ppt/slides/slide14.xml><?xml version="1.0" encoding="utf-8"?>
-<p:sld xmlns:a="http://schemas.openxmlformats.org/drawingml/2006/main" xmlns:r="http://schemas.openxmlformats.org/officeDocument/2006/relationships" xmlns:p="http://schemas.openxmlformats.org/presentationml/2006/main">
-  <p:cSld>
-    <p:spTree>
-      <p:nvGrpSpPr>
-        <p:cNvPr id="1" name=""/>
-        <p:cNvGrpSpPr/>
-        <p:nvPr/>
-      </p:nvGrpSpPr>
-      <p:grpSpPr>
-        <a:xfrm>
-          <a:off x="0" y="0"/>
-          <a:ext cx="0" cy="0"/>
-          <a:chOff x="0" y="0"/>
-          <a:chExt cx="0" cy="0"/>
-        </a:xfrm>
-      </p:grpSpPr>
-      <p:graphicFrame>
-        <p:nvGraphicFramePr>
-          <p:cNvPr id="4" name="内容占位符 3"/>
-          <p:cNvGraphicFramePr>
-            <a:graphicFrameLocks noGrp="1"/>
-          </p:cNvGraphicFramePr>
-          <p:nvPr>
-            <p:ph idx="1"/>
-            <p:extLst>
-              <p:ext uri="{D42A27DB-BD31-4B8C-83A1-F6EECF244321}">
-                <p14:modId xmlns:p14="http://schemas.microsoft.com/office/powerpoint/2010/main" val="887284969"/>
-              </p:ext>
-            </p:extLst>
-          </p:nvPr>
-        </p:nvGraphicFramePr>
-        <p:xfrm>
-          <a:off x="698500" y="2247900"/>
-          <a:ext cx="7747000" cy="1854200"/>
-        </p:xfrm>
-        <a:graphic>
-          <a:graphicData uri="http://schemas.openxmlformats.org/drawingml/2006/table">
-            <a:tbl>
-              <a:tblPr firstRow="1" bandRow="1">
-                <a:tableStyleId>{5C22544A-7EE6-4342-B048-85BDC9FD1C3A}</a:tableStyleId>
-              </a:tblPr>
-              <a:tblGrid>
-                <a:gridCol w="1936750"/>
-                <a:gridCol w="1936750"/>
-                <a:gridCol w="1936750"/>
-                <a:gridCol w="1936750"/>
-              </a:tblGrid>
-              <a:tr h="370840">
-                <a:tc>
-                  <a:txBody>
-                    <a:bodyPr/>
-                    <a:lstStyle/>
-                    <a:p>
-                      <a:endParaRPr lang="zh-CN" altLang="en-US" dirty="0"/>
-                    </a:p>
-                  </a:txBody>
-                  <a:tcPr/>
-                </a:tc>
-                <a:tc>
-                  <a:txBody>
-                    <a:bodyPr/>
-                    <a:lstStyle/>
-                    <a:p>
-                      <a:pPr marL="0" marR="0" indent="0" algn="l" defTabSz="914400" rtl="0" eaLnBrk="1" fontAlgn="auto" latinLnBrk="0" hangingPunct="1">
-                        <a:lnSpc>
-                          <a:spcPct val="100000"/>
-                        </a:lnSpc>
-                        <a:spcBef>
-                          <a:spcPts val="0"/>
-                        </a:spcBef>
-                        <a:spcAft>
-                          <a:spcPts val="0"/>
-                        </a:spcAft>
-                        <a:buClrTx/>
-                        <a:buSzTx/>
-                        <a:buFontTx/>
-                        <a:buNone/>
-                        <a:tabLst/>
-                        <a:defRPr/>
-                      </a:pPr>
-                      <a:r>
-                        <a:rPr lang="en-US" altLang="zh-CN" dirty="0" smtClean="0"/>
-                        <a:t>P</a:t>
-                      </a:r>
-                      <a:endParaRPr lang="zh-CN" altLang="en-US" dirty="0"/>
-                    </a:p>
-                  </a:txBody>
-                  <a:tcPr/>
-                </a:tc>
-                <a:tc>
-                  <a:txBody>
-                    <a:bodyPr/>
-                    <a:lstStyle/>
-                    <a:p>
-                      <a:r>
-                        <a:rPr lang="en-US" altLang="zh-CN" dirty="0" smtClean="0"/>
-                        <a:t>R</a:t>
-                      </a:r>
-                      <a:endParaRPr lang="zh-CN" altLang="en-US" dirty="0"/>
-                    </a:p>
-                  </a:txBody>
-                  <a:tcPr/>
-                </a:tc>
-                <a:tc>
-                  <a:txBody>
-                    <a:bodyPr/>
-                    <a:lstStyle/>
-                    <a:p>
-                      <a:r>
-                        <a:rPr lang="en-US" altLang="zh-CN" dirty="0" smtClean="0"/>
-                        <a:t>F</a:t>
-                      </a:r>
-                      <a:endParaRPr lang="zh-CN" altLang="en-US" dirty="0"/>
-                    </a:p>
-                  </a:txBody>
-                  <a:tcPr/>
-                </a:tc>
-              </a:tr>
-              <a:tr h="370840">
-                <a:tc>
-                  <a:txBody>
-                    <a:bodyPr/>
-                    <a:lstStyle/>
-                    <a:p>
-                      <a:r>
-                        <a:rPr lang="en-US" altLang="zh-CN" dirty="0" smtClean="0"/>
-                        <a:t>ROUGE-1</a:t>
-                      </a:r>
-                      <a:endParaRPr lang="zh-CN" altLang="en-US" dirty="0"/>
-                    </a:p>
-                  </a:txBody>
-                  <a:tcPr/>
-                </a:tc>
-                <a:tc>
-                  <a:txBody>
-                    <a:bodyPr/>
-                    <a:lstStyle/>
-                    <a:p>
-                      <a:r>
-                        <a:rPr lang="en-US" altLang="zh-CN" dirty="0" smtClean="0"/>
-                        <a:t>0.31810</a:t>
-                      </a:r>
-                      <a:endParaRPr lang="zh-CN" altLang="en-US" dirty="0"/>
-                    </a:p>
-                  </a:txBody>
-                  <a:tcPr/>
-                </a:tc>
-                <a:tc>
-                  <a:txBody>
-                    <a:bodyPr/>
-                    <a:lstStyle/>
-                    <a:p>
-                      <a:r>
-                        <a:rPr lang="is-IS" altLang="zh-CN" dirty="0" smtClean="0"/>
-                        <a:t>0.23876</a:t>
-                      </a:r>
-                      <a:endParaRPr lang="zh-CN" altLang="en-US" dirty="0"/>
-                    </a:p>
-                  </a:txBody>
-                  <a:tcPr/>
-                </a:tc>
-                <a:tc>
-                  <a:txBody>
-                    <a:bodyPr/>
-                    <a:lstStyle/>
-                    <a:p>
-                      <a:r>
-                        <a:rPr lang="fi-FI" altLang="zh-CN" dirty="0" smtClean="0"/>
-                        <a:t>0.27102</a:t>
-                      </a:r>
-                      <a:endParaRPr lang="zh-CN" altLang="en-US" dirty="0"/>
-                    </a:p>
-                  </a:txBody>
-                  <a:tcPr/>
-                </a:tc>
-              </a:tr>
-              <a:tr h="370840">
-                <a:tc>
-                  <a:txBody>
-                    <a:bodyPr/>
-                    <a:lstStyle/>
-                    <a:p>
-                      <a:r>
-                        <a:rPr lang="en-US" altLang="zh-CN" dirty="0" smtClean="0"/>
-                        <a:t>ROUGE-2</a:t>
-                      </a:r>
-                      <a:endParaRPr lang="zh-CN" altLang="en-US" dirty="0"/>
-                    </a:p>
-                  </a:txBody>
-                  <a:tcPr/>
-                </a:tc>
-                <a:tc>
-                  <a:txBody>
-                    <a:bodyPr/>
-                    <a:lstStyle/>
-                    <a:p>
-                      <a:r>
-                        <a:rPr lang="nb-NO" altLang="zh-CN" dirty="0" smtClean="0"/>
-                        <a:t>0.10376</a:t>
-                      </a:r>
-                      <a:endParaRPr lang="zh-CN" altLang="en-US" dirty="0"/>
-                    </a:p>
-                  </a:txBody>
-                  <a:tcPr/>
-                </a:tc>
-                <a:tc>
-                  <a:txBody>
-                    <a:bodyPr/>
-                    <a:lstStyle/>
-                    <a:p>
-                      <a:r>
-                        <a:rPr lang="hr-HR" altLang="zh-CN" dirty="0" smtClean="0"/>
-                        <a:t>0.07747</a:t>
-                      </a:r>
-                      <a:endParaRPr lang="zh-CN" altLang="en-US" dirty="0"/>
-                    </a:p>
-                  </a:txBody>
-                  <a:tcPr/>
-                </a:tc>
-                <a:tc>
-                  <a:txBody>
-                    <a:bodyPr/>
-                    <a:lstStyle/>
-                    <a:p>
-                      <a:r>
-                        <a:rPr lang="nb-NO" altLang="zh-CN" dirty="0" smtClean="0"/>
-                        <a:t>0.08814</a:t>
-                      </a:r>
-                      <a:endParaRPr lang="zh-CN" altLang="en-US" dirty="0"/>
-                    </a:p>
-                  </a:txBody>
-                  <a:tcPr/>
-                </a:tc>
-              </a:tr>
-              <a:tr h="370840">
-                <a:tc>
-                  <a:txBody>
-                    <a:bodyPr/>
-                    <a:lstStyle/>
-                    <a:p>
-                      <a:r>
-                        <a:rPr lang="en-US" altLang="zh-CN" dirty="0" smtClean="0"/>
-                        <a:t>ROUGE-3</a:t>
-                      </a:r>
-                      <a:endParaRPr lang="zh-CN" altLang="en-US" dirty="0"/>
-                    </a:p>
-                  </a:txBody>
-                  <a:tcPr/>
-                </a:tc>
-                <a:tc>
-                  <a:txBody>
-                    <a:bodyPr/>
-                    <a:lstStyle/>
-                    <a:p>
-                      <a:r>
-                        <a:rPr lang="uk-UA" altLang="zh-CN" dirty="0" smtClean="0"/>
-                        <a:t>0.03985</a:t>
-                      </a:r>
-                      <a:endParaRPr lang="zh-CN" altLang="en-US" dirty="0"/>
-                    </a:p>
-                  </a:txBody>
-                  <a:tcPr/>
-                </a:tc>
-                <a:tc>
-                  <a:txBody>
-                    <a:bodyPr/>
-                    <a:lstStyle/>
-                    <a:p>
-                      <a:r>
-                        <a:rPr lang="nb-NO" altLang="zh-CN" dirty="0" smtClean="0"/>
-                        <a:t>0.02973</a:t>
-                      </a:r>
-                      <a:endParaRPr lang="zh-CN" altLang="en-US" dirty="0"/>
-                    </a:p>
-                  </a:txBody>
-                  <a:tcPr/>
-                </a:tc>
-                <a:tc>
-                  <a:txBody>
-                    <a:bodyPr/>
-                    <a:lstStyle/>
-                    <a:p>
-                      <a:r>
-                        <a:rPr lang="nb-NO" altLang="zh-CN" dirty="0" smtClean="0"/>
-                        <a:t>0.03386</a:t>
-                      </a:r>
-                      <a:endParaRPr lang="zh-CN" altLang="en-US" dirty="0"/>
-                    </a:p>
-                  </a:txBody>
-                  <a:tcPr/>
-                </a:tc>
-              </a:tr>
-              <a:tr h="370840">
-                <a:tc>
-                  <a:txBody>
-                    <a:bodyPr/>
-                    <a:lstStyle/>
-                    <a:p>
-                      <a:r>
-                        <a:rPr lang="en-US" altLang="zh-CN" dirty="0" smtClean="0"/>
-                        <a:t>ROUGE-4</a:t>
-                      </a:r>
-                      <a:endParaRPr lang="zh-CN" altLang="en-US" dirty="0"/>
-                    </a:p>
-                  </a:txBody>
-                  <a:tcPr/>
-                </a:tc>
-                <a:tc>
-                  <a:txBody>
-                    <a:bodyPr/>
-                    <a:lstStyle/>
-                    <a:p>
-                      <a:r>
-                        <a:rPr lang="it-IT" altLang="zh-CN" dirty="0" smtClean="0"/>
-                        <a:t>0.01939</a:t>
-                      </a:r>
-                      <a:endParaRPr lang="zh-CN" altLang="en-US" dirty="0"/>
-                    </a:p>
-                  </a:txBody>
-                  <a:tcPr/>
-                </a:tc>
-                <a:tc>
-                  <a:txBody>
-                    <a:bodyPr/>
-                    <a:lstStyle/>
-                    <a:p>
-                      <a:r>
-                        <a:rPr lang="nb-NO" altLang="zh-CN" dirty="0" smtClean="0"/>
-                        <a:t>0.01464</a:t>
-                      </a:r>
-                      <a:endParaRPr lang="zh-CN" altLang="en-US" dirty="0"/>
-                    </a:p>
-                  </a:txBody>
-                  <a:tcPr/>
-                </a:tc>
-                <a:tc>
-                  <a:txBody>
-                    <a:bodyPr/>
-                    <a:lstStyle/>
-                    <a:p>
-                      <a:r>
-                        <a:rPr lang="nb-NO" altLang="zh-CN" dirty="0" smtClean="0"/>
-                        <a:t>0.01660</a:t>
-                      </a:r>
-                      <a:endParaRPr lang="zh-CN" altLang="en-US" dirty="0"/>
-                    </a:p>
-                  </a:txBody>
-                  <a:tcPr/>
-                </a:tc>
-              </a:tr>
-            </a:tbl>
-          </a:graphicData>
-        </a:graphic>
-      </p:graphicFrame>
-      <p:sp>
-        <p:nvSpPr>
-          <p:cNvPr id="3" name="标题 2"/>
-          <p:cNvSpPr>
-            <a:spLocks noGrp="1"/>
-          </p:cNvSpPr>
-          <p:nvPr>
-            <p:ph type="title"/>
-          </p:nvPr>
-        </p:nvSpPr>
-        <p:spPr/>
-        <p:txBody>
-          <a:bodyPr/>
-          <a:lstStyle/>
-          <a:p>
-            <a:r>
-              <a:rPr kumimoji="1" lang="en-US" altLang="zh-CN" dirty="0" smtClean="0"/>
-              <a:t>ROUGE result</a:t>
-            </a:r>
-            <a:endParaRPr kumimoji="1" lang="zh-CN" altLang="en-US" dirty="0"/>
-          </a:p>
-        </p:txBody>
-      </p:sp>
-      <p:sp>
-        <p:nvSpPr>
-          <p:cNvPr id="2" name="文本框 1"/>
-          <p:cNvSpPr txBox="1"/>
-          <p:nvPr/>
-        </p:nvSpPr>
-        <p:spPr>
-          <a:xfrm>
-            <a:off x="688490" y="4662145"/>
-            <a:ext cx="6455613" cy="646331"/>
-          </a:xfrm>
-          <a:prstGeom prst="rect">
-            <a:avLst/>
-          </a:prstGeom>
-          <a:noFill/>
-        </p:spPr>
-        <p:txBody>
-          <a:bodyPr wrap="none" rtlCol="0">
-            <a:spAutoFit/>
-          </a:bodyPr>
-          <a:lstStyle/>
-          <a:p>
-            <a:r>
-              <a:rPr kumimoji="1" lang="en-US" altLang="zh-CN" dirty="0" smtClean="0"/>
-              <a:t>Data used: ../training/</a:t>
-            </a:r>
-            <a:r>
-              <a:rPr kumimoji="1" lang="en-US" altLang="zh-CN" dirty="0"/>
-              <a:t>2009/UpdateSumm09_test_topics.xml</a:t>
-            </a:r>
-            <a:endParaRPr kumimoji="1" lang="en-US" altLang="zh-CN" dirty="0" smtClean="0"/>
-          </a:p>
-          <a:p>
-            <a:r>
-              <a:rPr kumimoji="1" lang="en-US" altLang="zh-CN" dirty="0" smtClean="0"/>
-              <a:t>ID from </a:t>
-            </a:r>
-            <a:r>
-              <a:rPr kumimoji="1" lang="is-IS" altLang="zh-CN" dirty="0"/>
-              <a:t>D0901A to D0944H </a:t>
-            </a:r>
-            <a:r>
-              <a:rPr kumimoji="1" lang="en-US" altLang="zh-CN" dirty="0" smtClean="0"/>
-              <a:t> </a:t>
-            </a:r>
-            <a:endParaRPr kumimoji="1" lang="zh-CN" altLang="en-US" dirty="0"/>
-          </a:p>
-        </p:txBody>
-      </p:sp>
-    </p:spTree>
-    <p:extLst>
-      <p:ext uri="{BB962C8B-B14F-4D97-AF65-F5344CB8AC3E}">
-        <p14:creationId xmlns:p14="http://schemas.microsoft.com/office/powerpoint/2010/main" val="2298596236"/>
-      </p:ext>
-    </p:extLst>
-  </p:cSld>
-  <p:clrMapOvr>
-    <a:masterClrMapping/>
-  </p:clrMapOvr>
-  <p:timing>
-    <p:tnLst>
-      <p:par>
-        <p:cTn xmlns:p14="http://schemas.microsoft.com/office/powerpoint/2010/main" id="1" dur="indefinite" restart="never" nodeType="tmRoot"/>
-      </p:par>
-    </p:tnLst>
-  </p:timing>
-</p:sld>
-</file>
-
-<file path=ppt/slides/slide15.xml><?xml version="1.0" encoding="utf-8"?>
-<p:sld xmlns:a="http://schemas.openxmlformats.org/drawingml/2006/main" xmlns:r="http://schemas.openxmlformats.org/officeDocument/2006/relationships" xmlns:p="http://schemas.openxmlformats.org/presentationml/2006/main">
-  <p:cSld>
-    <p:spTree>
-      <p:nvGrpSpPr>
-        <p:cNvPr id="1" name=""/>
-        <p:cNvGrpSpPr/>
-        <p:nvPr/>
-      </p:nvGrpSpPr>
-      <p:grpSpPr>
-        <a:xfrm>
-          <a:off x="0" y="0"/>
-          <a:ext cx="0" cy="0"/>
-          <a:chOff x="0" y="0"/>
-          <a:chExt cx="0" cy="0"/>
-        </a:xfrm>
-      </p:grpSpPr>
-      <p:sp>
-        <p:nvSpPr>
-          <p:cNvPr id="2" name="内容占位符 1"/>
-          <p:cNvSpPr>
-            <a:spLocks noGrp="1"/>
-          </p:cNvSpPr>
-          <p:nvPr>
-            <p:ph idx="1"/>
-          </p:nvPr>
-        </p:nvSpPr>
-        <p:spPr/>
-        <p:txBody>
-          <a:bodyPr/>
-          <a:lstStyle/>
-          <a:p>
-            <a:r>
-              <a:rPr kumimoji="1" lang="en-US" altLang="zh-CN" dirty="0" smtClean="0"/>
-              <a:t>ROUGE score result</a:t>
-            </a:r>
-          </a:p>
-          <a:p>
-            <a:endParaRPr kumimoji="1" lang="en-US" altLang="zh-CN" dirty="0"/>
-          </a:p>
-          <a:p>
-            <a:r>
-              <a:rPr kumimoji="1" lang="en-US" altLang="zh-CN" dirty="0" smtClean="0"/>
-              <a:t>Score formula</a:t>
-            </a:r>
-          </a:p>
-          <a:p>
-            <a:endParaRPr kumimoji="1" lang="en-US" altLang="zh-CN" dirty="0"/>
-          </a:p>
-          <a:p>
-            <a:r>
-              <a:rPr kumimoji="1" lang="en-US" altLang="zh-CN" dirty="0" smtClean="0"/>
-              <a:t>Content realization</a:t>
-            </a:r>
-          </a:p>
-          <a:p>
-            <a:endParaRPr kumimoji="1" lang="zh-CN" altLang="en-US" dirty="0"/>
-          </a:p>
-        </p:txBody>
-      </p:sp>
-      <p:sp>
-        <p:nvSpPr>
-          <p:cNvPr id="3" name="标题 2"/>
-          <p:cNvSpPr>
-            <a:spLocks noGrp="1"/>
-          </p:cNvSpPr>
-          <p:nvPr>
-            <p:ph type="title"/>
-          </p:nvPr>
-        </p:nvSpPr>
-        <p:spPr/>
-        <p:txBody>
-          <a:bodyPr/>
-          <a:lstStyle/>
-          <a:p>
-            <a:r>
-              <a:rPr kumimoji="1" lang="en-US" altLang="zh-CN" dirty="0" smtClean="0"/>
-              <a:t>Issues and </a:t>
-            </a:r>
-            <a:r>
-              <a:rPr kumimoji="1" lang="en-US" altLang="zh-CN" dirty="0" smtClean="0"/>
-              <a:t>Successes</a:t>
-            </a:r>
-            <a:endParaRPr kumimoji="1" lang="zh-CN" altLang="en-US" dirty="0"/>
-          </a:p>
-        </p:txBody>
-      </p:sp>
-    </p:spTree>
-    <p:extLst>
-      <p:ext uri="{BB962C8B-B14F-4D97-AF65-F5344CB8AC3E}">
-        <p14:creationId xmlns:p14="http://schemas.microsoft.com/office/powerpoint/2010/main" val="1417477386"/>
-      </p:ext>
-    </p:extLst>
-  </p:cSld>
-  <p:clrMapOvr>
-    <a:masterClrMapping/>
-  </p:clrMapOvr>
-  <p:timing>
-    <p:tnLst>
-      <p:par>
-        <p:cTn xmlns:p14="http://schemas.microsoft.com/office/powerpoint/2010/main" id="1" dur="indefinite" restart="never" nodeType="tmRoot"/>
-      </p:par>
-    </p:tnLst>
-  </p:timing>
-</p:sld>
-</file>
-
-<file path=ppt/slides/slide16.xml><?xml version="1.0" encoding="utf-8"?>
-<p:sld xmlns:a="http://schemas.openxmlformats.org/drawingml/2006/main" xmlns:r="http://schemas.openxmlformats.org/officeDocument/2006/relationships" xmlns:p="http://schemas.openxmlformats.org/presentationml/2006/main">
-  <p:cSld>
-    <p:spTree>
-      <p:nvGrpSpPr>
-        <p:cNvPr id="1" name=""/>
-        <p:cNvGrpSpPr/>
-        <p:nvPr/>
-      </p:nvGrpSpPr>
-      <p:grpSpPr>
-        <a:xfrm>
-          <a:off x="0" y="0"/>
-          <a:ext cx="0" cy="0"/>
-          <a:chOff x="0" y="0"/>
-          <a:chExt cx="0" cy="0"/>
-        </a:xfrm>
-      </p:grpSpPr>
-      <p:sp>
-        <p:nvSpPr>
-          <p:cNvPr id="2" name="内容占位符 1"/>
-          <p:cNvSpPr>
-            <a:spLocks noGrp="1"/>
-          </p:cNvSpPr>
-          <p:nvPr>
-            <p:ph idx="1"/>
-          </p:nvPr>
-        </p:nvSpPr>
-        <p:spPr/>
-        <p:txBody>
-          <a:bodyPr/>
-          <a:lstStyle/>
-          <a:p>
-            <a:r>
-              <a:rPr kumimoji="1" lang="en-US" altLang="zh-CN" dirty="0" smtClean="0"/>
-              <a:t>P. </a:t>
-            </a:r>
-            <a:r>
-              <a:rPr kumimoji="1" lang="en-US" altLang="zh-CN" dirty="0" err="1" smtClean="0"/>
-              <a:t>Sarraf</a:t>
-            </a:r>
-            <a:r>
-              <a:rPr kumimoji="1" lang="en-US" altLang="zh-CN" dirty="0" smtClean="0"/>
-              <a:t>, Y. K. </a:t>
-            </a:r>
-            <a:r>
-              <a:rPr kumimoji="1" lang="en-US" altLang="zh-CN" dirty="0" err="1" smtClean="0"/>
-              <a:t>Meena</a:t>
-            </a:r>
-            <a:r>
-              <a:rPr kumimoji="1" lang="en-US" altLang="zh-CN" dirty="0" smtClean="0"/>
-              <a:t>, Summarization of Document using Java ,Vol. 3, Issue 2, February </a:t>
-            </a:r>
-            <a:r>
-              <a:rPr kumimoji="1" lang="mr-IN" altLang="zh-CN" dirty="0" smtClean="0"/>
-              <a:t>–</a:t>
-            </a:r>
-            <a:r>
-              <a:rPr kumimoji="1" lang="en-US" altLang="zh-CN" dirty="0" smtClean="0"/>
-              <a:t> 2014 International Journal of Engineering Research &amp; Technology(IJERT)</a:t>
-            </a:r>
-            <a:endParaRPr kumimoji="1" lang="zh-CN" altLang="en-US" dirty="0"/>
-          </a:p>
-        </p:txBody>
-      </p:sp>
-      <p:sp>
-        <p:nvSpPr>
-          <p:cNvPr id="3" name="标题 2"/>
-          <p:cNvSpPr>
-            <a:spLocks noGrp="1"/>
-          </p:cNvSpPr>
-          <p:nvPr>
-            <p:ph type="title"/>
-          </p:nvPr>
-        </p:nvSpPr>
-        <p:spPr/>
-        <p:txBody>
-          <a:bodyPr/>
-          <a:lstStyle/>
-          <a:p>
-            <a:r>
-              <a:rPr kumimoji="1" lang="en-US" altLang="zh-CN" dirty="0" smtClean="0"/>
-              <a:t>Related reading</a:t>
-            </a:r>
-            <a:endParaRPr kumimoji="1" lang="zh-CN" altLang="en-US" dirty="0"/>
-          </a:p>
-        </p:txBody>
-      </p:sp>
-    </p:spTree>
-    <p:extLst>
-      <p:ext uri="{BB962C8B-B14F-4D97-AF65-F5344CB8AC3E}">
-        <p14:creationId xmlns:p14="http://schemas.microsoft.com/office/powerpoint/2010/main" val="2357070740"/>
-      </p:ext>
-    </p:extLst>
-  </p:cSld>
-  <p:clrMapOvr>
-    <a:masterClrMapping/>
-  </p:clrMapOvr>
-  <p:timing>
-    <p:tnLst>
-      <p:par>
-        <p:cTn xmlns:p14="http://schemas.microsoft.com/office/powerpoint/2010/main" id="1" dur="indefinite" restart="never" nodeType="tmRoot"/>
-      </p:par>
-    </p:tnLst>
-  </p:timing>
-</p:sld>
-</file>
-
-<file path=ppt/slides/slide17.xml><?xml version="1.0" encoding="utf-8"?>
-<p:sld xmlns:a="http://schemas.openxmlformats.org/drawingml/2006/main" xmlns:r="http://schemas.openxmlformats.org/officeDocument/2006/relationships" xmlns:p="http://schemas.openxmlformats.org/presentationml/2006/main">
-  <p:cSld>
-    <p:spTree>
-      <p:nvGrpSpPr>
-        <p:cNvPr id="1" name=""/>
-        <p:cNvGrpSpPr/>
-        <p:nvPr/>
-      </p:nvGrpSpPr>
-      <p:grpSpPr>
-        <a:xfrm>
-          <a:off x="0" y="0"/>
-          <a:ext cx="0" cy="0"/>
-          <a:chOff x="0" y="0"/>
-          <a:chExt cx="0" cy="0"/>
-        </a:xfrm>
-      </p:grpSpPr>
-      <p:sp>
-        <p:nvSpPr>
-          <p:cNvPr id="2" name="内容占位符 1"/>
-          <p:cNvSpPr>
-            <a:spLocks noGrp="1"/>
-          </p:cNvSpPr>
-          <p:nvPr>
-            <p:ph idx="1"/>
-          </p:nvPr>
-        </p:nvSpPr>
-        <p:spPr/>
-        <p:txBody>
-          <a:bodyPr/>
-          <a:lstStyle/>
-          <a:p>
             <a:pPr marL="0" indent="0">
               <a:buNone/>
             </a:pPr>
@@ -5661,7 +4756,7 @@
     </p:spTree>
     <p:extLst>
       <p:ext uri="{BB962C8B-B14F-4D97-AF65-F5344CB8AC3E}">
-        <p14:creationId xmlns:p14="http://schemas.microsoft.com/office/powerpoint/2010/main" val="343104714"/>
+        <p14:creationId xmlns:p14="http://schemas.microsoft.com/office/powerpoint/2010/main" val="1415331357"/>
       </p:ext>
     </p:extLst>
   </p:cSld>
@@ -5708,13 +4803,37 @@
         <p:spPr/>
         <p:txBody>
           <a:bodyPr>
-            <a:normAutofit fontScale="92500" lnSpcReduction="20000"/>
+            <a:normAutofit/>
           </a:bodyPr>
           <a:lstStyle/>
           <a:p>
+            <a:endParaRPr kumimoji="1" lang="en-US" altLang="zh-CN" dirty="0" smtClean="0"/>
+          </a:p>
+          <a:p>
             <a:r>
               <a:rPr kumimoji="1" lang="en-US" altLang="zh-CN" dirty="0" smtClean="0"/>
-              <a:t>Preprocessing</a:t>
+              <a:t>Improvements </a:t>
+            </a:r>
+            <a:r>
+              <a:rPr kumimoji="1" lang="en-US" altLang="zh-CN" dirty="0"/>
+              <a:t>in content </a:t>
+            </a:r>
+            <a:r>
+              <a:rPr kumimoji="1" lang="en-US" altLang="zh-CN" dirty="0" smtClean="0"/>
+              <a:t>selection</a:t>
+            </a:r>
+          </a:p>
+          <a:p>
+            <a:endParaRPr kumimoji="1" lang="en-US" altLang="zh-CN" dirty="0"/>
+          </a:p>
+          <a:p>
+            <a:r>
+              <a:rPr kumimoji="1" lang="en-US" altLang="zh-CN" dirty="0"/>
+              <a:t>Information </a:t>
+            </a:r>
+            <a:r>
+              <a:rPr kumimoji="1" lang="en-US" altLang="zh-CN" dirty="0" smtClean="0"/>
+              <a:t>ordering</a:t>
             </a:r>
           </a:p>
           <a:p>
@@ -5722,50 +4841,25 @@
           </a:p>
           <a:p>
             <a:r>
+              <a:rPr kumimoji="1" lang="en-US" altLang="zh-CN" dirty="0"/>
+              <a:t>Issues and </a:t>
+            </a:r>
+            <a:r>
               <a:rPr kumimoji="1" lang="en-US" altLang="zh-CN" dirty="0" smtClean="0"/>
-              <a:t>Feature Extraction</a:t>
+              <a:t>successes</a:t>
+            </a:r>
+          </a:p>
+          <a:p>
+            <a:endParaRPr kumimoji="1" lang="en-US" altLang="zh-CN" dirty="0"/>
+          </a:p>
+          <a:p>
+            <a:r>
+              <a:rPr kumimoji="1" lang="en-US" altLang="zh-CN" dirty="0" smtClean="0"/>
+              <a:t>Related reading</a:t>
             </a:r>
           </a:p>
           <a:p>
             <a:endParaRPr kumimoji="1" lang="en-US" altLang="zh-CN" dirty="0" smtClean="0"/>
-          </a:p>
-          <a:p>
-            <a:r>
-              <a:rPr kumimoji="1" lang="en-US" altLang="zh-CN" dirty="0" smtClean="0"/>
-              <a:t>Sentence Scoring</a:t>
-            </a:r>
-          </a:p>
-          <a:p>
-            <a:endParaRPr kumimoji="1" lang="en-US" altLang="zh-CN" dirty="0" smtClean="0"/>
-          </a:p>
-          <a:p>
-            <a:r>
-              <a:rPr kumimoji="1" lang="en-US" altLang="zh-CN" dirty="0" smtClean="0"/>
-              <a:t>Sentence Selection</a:t>
-            </a:r>
-          </a:p>
-          <a:p>
-            <a:endParaRPr kumimoji="1" lang="en-US" altLang="zh-CN" dirty="0"/>
-          </a:p>
-          <a:p>
-            <a:r>
-              <a:rPr kumimoji="1" lang="en-US" altLang="zh-CN" dirty="0" smtClean="0"/>
-              <a:t>Information </a:t>
-            </a:r>
-            <a:r>
-              <a:rPr kumimoji="1" lang="en-US" altLang="zh-CN" dirty="0" smtClean="0"/>
-              <a:t>Ordering</a:t>
-            </a:r>
-          </a:p>
-          <a:p>
-            <a:endParaRPr kumimoji="1" lang="en-US" altLang="zh-CN" dirty="0"/>
-          </a:p>
-          <a:p>
-            <a:r>
-              <a:rPr kumimoji="1" lang="en-US" altLang="zh-CN" dirty="0" smtClean="0"/>
-              <a:t>Content Realization (not yet)</a:t>
-            </a:r>
-            <a:endParaRPr kumimoji="1" lang="zh-CN" altLang="en-US" dirty="0"/>
           </a:p>
         </p:txBody>
       </p:sp>
@@ -5786,7 +4880,7 @@
           <a:p>
             <a:r>
               <a:rPr kumimoji="1" lang="en-US" altLang="zh-CN" dirty="0" smtClean="0"/>
-              <a:t>System architecture</a:t>
+              <a:t>D3</a:t>
             </a:r>
             <a:endParaRPr kumimoji="1" lang="zh-CN" altLang="en-US" dirty="0"/>
           </a:p>
@@ -5831,6 +4925,114 @@
       </p:grpSpPr>
       <p:sp>
         <p:nvSpPr>
+          <p:cNvPr id="2" name="内容占位符 1"/>
+          <p:cNvSpPr>
+            <a:spLocks noGrp="1"/>
+          </p:cNvSpPr>
+          <p:nvPr>
+            <p:ph idx="1"/>
+          </p:nvPr>
+        </p:nvSpPr>
+        <p:spPr/>
+        <p:txBody>
+          <a:bodyPr>
+            <a:normAutofit/>
+          </a:bodyPr>
+          <a:lstStyle/>
+          <a:p>
+            <a:r>
+              <a:rPr kumimoji="1" lang="en-US" altLang="zh-CN" dirty="0" smtClean="0"/>
+              <a:t>Preprocess bug fix</a:t>
+            </a:r>
+          </a:p>
+          <a:p>
+            <a:endParaRPr kumimoji="1" lang="en-US" altLang="zh-CN" dirty="0"/>
+          </a:p>
+          <a:p>
+            <a:r>
+              <a:rPr kumimoji="1" lang="en-US" altLang="zh-CN" dirty="0" smtClean="0"/>
+              <a:t>Data structure change</a:t>
+            </a:r>
+          </a:p>
+          <a:p>
+            <a:pPr lvl="1"/>
+            <a:r>
+              <a:rPr kumimoji="1" lang="en-US" altLang="zh-CN" dirty="0" smtClean="0"/>
+              <a:t>XML file </a:t>
+            </a:r>
+            <a:endParaRPr kumimoji="1" lang="en-US" altLang="zh-CN" dirty="0"/>
+          </a:p>
+          <a:p>
+            <a:pPr lvl="1"/>
+            <a:r>
+              <a:rPr kumimoji="1" lang="en-US" altLang="zh-CN" dirty="0" smtClean="0"/>
+              <a:t>Python class + </a:t>
+            </a:r>
+            <a:r>
+              <a:rPr lang="en-US" altLang="zh-CN" dirty="0" smtClean="0"/>
+              <a:t>pickle</a:t>
+            </a:r>
+          </a:p>
+          <a:p>
+            <a:endParaRPr kumimoji="1" lang="en-US" altLang="zh-CN" dirty="0"/>
+          </a:p>
+          <a:p>
+            <a:r>
+              <a:rPr kumimoji="1" lang="en-US" altLang="zh-CN" dirty="0" smtClean="0"/>
+              <a:t> Stemming</a:t>
+            </a:r>
+          </a:p>
+          <a:p>
+            <a:pPr lvl="1"/>
+            <a:r>
+              <a:rPr kumimoji="1" lang="en-US" altLang="zh-CN" dirty="0" err="1" smtClean="0"/>
+              <a:t>nltk.stem</a:t>
+            </a:r>
+            <a:r>
+              <a:rPr lang="en-US" altLang="zh-CN" dirty="0" err="1" smtClean="0"/>
+              <a:t>.PorterStemmer</a:t>
+            </a:r>
+            <a:r>
+              <a:rPr lang="en-US" altLang="zh-CN" dirty="0" smtClean="0"/>
+              <a:t>()</a:t>
+            </a:r>
+            <a:endParaRPr kumimoji="1" lang="en-US" altLang="zh-CN" dirty="0" smtClean="0"/>
+          </a:p>
+          <a:p>
+            <a:pPr lvl="1"/>
+            <a:r>
+              <a:rPr lang="en-US" altLang="zh-CN" dirty="0" err="1"/>
+              <a:t>nltk.stem.SnowballStemmer</a:t>
+            </a:r>
+            <a:r>
+              <a:rPr lang="en-US" altLang="zh-CN" dirty="0"/>
+              <a:t>(</a:t>
+            </a:r>
+            <a:r>
+              <a:rPr lang="en-US" altLang="zh-CN" b="1" dirty="0"/>
+              <a:t>"</a:t>
+            </a:r>
+            <a:r>
+              <a:rPr lang="en-US" altLang="zh-CN" b="1" dirty="0" err="1"/>
+              <a:t>english</a:t>
+            </a:r>
+            <a:r>
+              <a:rPr lang="en-US" altLang="zh-CN" b="1" dirty="0"/>
+              <a:t>"</a:t>
+            </a:r>
+            <a:r>
+              <a:rPr lang="en-US" altLang="zh-CN" dirty="0"/>
+              <a:t>)</a:t>
+            </a:r>
+            <a:endParaRPr kumimoji="1" lang="en-US" altLang="zh-CN" dirty="0" smtClean="0"/>
+          </a:p>
+          <a:p>
+            <a:endParaRPr kumimoji="1" lang="zh-CN" altLang="en-US" dirty="0"/>
+          </a:p>
+        </p:txBody>
+      </p:sp>
+      <p:sp>
+        <p:nvSpPr>
           <p:cNvPr id="3" name="标题 2"/>
           <p:cNvSpPr>
             <a:spLocks noGrp="1"/>
@@ -5839,611 +5041,19 @@
             <p:ph type="title"/>
           </p:nvPr>
         </p:nvSpPr>
-        <p:spPr/>
+        <p:spPr>
+          <a:xfrm>
+            <a:off x="688490" y="0"/>
+            <a:ext cx="7756263" cy="1624406"/>
+          </a:xfrm>
+        </p:spPr>
         <p:txBody>
           <a:bodyPr/>
           <a:lstStyle/>
           <a:p>
             <a:r>
               <a:rPr kumimoji="1" lang="en-US" altLang="zh-CN" dirty="0"/>
-              <a:t>System architecture</a:t>
-            </a:r>
-            <a:endParaRPr kumimoji="1" lang="zh-CN" altLang="en-US" dirty="0"/>
-          </a:p>
-        </p:txBody>
-      </p:sp>
-      <p:sp>
-        <p:nvSpPr>
-          <p:cNvPr id="4" name="矩形 3"/>
-          <p:cNvSpPr/>
-          <p:nvPr/>
-        </p:nvSpPr>
-        <p:spPr>
-          <a:xfrm>
-            <a:off x="538477" y="3697251"/>
-            <a:ext cx="1471197" cy="691225"/>
-          </a:xfrm>
-          <a:prstGeom prst="rect">
-            <a:avLst/>
-          </a:prstGeom>
-        </p:spPr>
-        <p:style>
-          <a:lnRef idx="1">
-            <a:schemeClr val="accent1"/>
-          </a:lnRef>
-          <a:fillRef idx="3">
-            <a:schemeClr val="accent1"/>
-          </a:fillRef>
-          <a:effectRef idx="2">
-            <a:schemeClr val="accent1"/>
-          </a:effectRef>
-          <a:fontRef idx="minor">
-            <a:schemeClr val="lt1"/>
-          </a:fontRef>
-        </p:style>
-        <p:txBody>
-          <a:bodyPr rtlCol="0" anchor="ctr"/>
-          <a:lstStyle/>
-          <a:p>
-            <a:pPr algn="ctr"/>
-            <a:r>
-              <a:rPr kumimoji="1" lang="en-US" altLang="zh-CN" dirty="0" smtClean="0"/>
-              <a:t>Documents</a:t>
-            </a:r>
-            <a:endParaRPr kumimoji="1" lang="zh-CN" altLang="en-US" dirty="0"/>
-          </a:p>
-        </p:txBody>
-      </p:sp>
-      <p:sp>
-        <p:nvSpPr>
-          <p:cNvPr id="5" name="矩形 4"/>
-          <p:cNvSpPr/>
-          <p:nvPr/>
-        </p:nvSpPr>
-        <p:spPr>
-          <a:xfrm>
-            <a:off x="2242033" y="4396201"/>
-            <a:ext cx="1471197" cy="691225"/>
-          </a:xfrm>
-          <a:prstGeom prst="rect">
-            <a:avLst/>
-          </a:prstGeom>
-        </p:spPr>
-        <p:style>
-          <a:lnRef idx="1">
-            <a:schemeClr val="accent1"/>
-          </a:lnRef>
-          <a:fillRef idx="3">
-            <a:schemeClr val="accent1"/>
-          </a:fillRef>
-          <a:effectRef idx="2">
-            <a:schemeClr val="accent1"/>
-          </a:effectRef>
-          <a:fontRef idx="minor">
-            <a:schemeClr val="lt1"/>
-          </a:fontRef>
-        </p:style>
-        <p:txBody>
-          <a:bodyPr rtlCol="0" anchor="ctr"/>
-          <a:lstStyle/>
-          <a:p>
-            <a:pPr algn="ctr"/>
-            <a:r>
-              <a:rPr kumimoji="1" lang="en-US" altLang="zh-CN" dirty="0" smtClean="0"/>
-              <a:t>Words</a:t>
-            </a:r>
-            <a:endParaRPr kumimoji="1" lang="zh-CN" altLang="en-US" dirty="0"/>
-          </a:p>
-        </p:txBody>
-      </p:sp>
-      <p:sp>
-        <p:nvSpPr>
-          <p:cNvPr id="6" name="矩形 5"/>
-          <p:cNvSpPr/>
-          <p:nvPr/>
-        </p:nvSpPr>
-        <p:spPr>
-          <a:xfrm>
-            <a:off x="2242033" y="3656438"/>
-            <a:ext cx="1471197" cy="691225"/>
-          </a:xfrm>
-          <a:prstGeom prst="rect">
-            <a:avLst/>
-          </a:prstGeom>
-        </p:spPr>
-        <p:style>
-          <a:lnRef idx="1">
-            <a:schemeClr val="accent1"/>
-          </a:lnRef>
-          <a:fillRef idx="3">
-            <a:schemeClr val="accent1"/>
-          </a:fillRef>
-          <a:effectRef idx="2">
-            <a:schemeClr val="accent1"/>
-          </a:effectRef>
-          <a:fontRef idx="minor">
-            <a:schemeClr val="lt1"/>
-          </a:fontRef>
-        </p:style>
-        <p:txBody>
-          <a:bodyPr rtlCol="0" anchor="ctr"/>
-          <a:lstStyle/>
-          <a:p>
-            <a:pPr algn="ctr"/>
-            <a:r>
-              <a:rPr kumimoji="1" lang="en-US" altLang="zh-CN" dirty="0" smtClean="0"/>
-              <a:t>Sentences</a:t>
-            </a:r>
-            <a:endParaRPr kumimoji="1" lang="zh-CN" altLang="en-US" dirty="0"/>
-          </a:p>
-        </p:txBody>
-      </p:sp>
-      <p:sp>
-        <p:nvSpPr>
-          <p:cNvPr id="7" name="矩形 6"/>
-          <p:cNvSpPr/>
-          <p:nvPr/>
-        </p:nvSpPr>
-        <p:spPr>
-          <a:xfrm>
-            <a:off x="3913417" y="5891176"/>
-            <a:ext cx="1471197" cy="691225"/>
-          </a:xfrm>
-          <a:prstGeom prst="rect">
-            <a:avLst/>
-          </a:prstGeom>
-        </p:spPr>
-        <p:style>
-          <a:lnRef idx="1">
-            <a:schemeClr val="accent1"/>
-          </a:lnRef>
-          <a:fillRef idx="3">
-            <a:schemeClr val="accent1"/>
-          </a:fillRef>
-          <a:effectRef idx="2">
-            <a:schemeClr val="accent1"/>
-          </a:effectRef>
-          <a:fontRef idx="minor">
-            <a:schemeClr val="lt1"/>
-          </a:fontRef>
-        </p:style>
-        <p:txBody>
-          <a:bodyPr rtlCol="0" anchor="ctr"/>
-          <a:lstStyle/>
-          <a:p>
-            <a:pPr algn="ctr"/>
-            <a:r>
-              <a:rPr kumimoji="1" lang="en-US" altLang="zh-CN" dirty="0" smtClean="0"/>
-              <a:t>Similarity</a:t>
-            </a:r>
-            <a:endParaRPr kumimoji="1" lang="zh-CN" altLang="en-US" dirty="0"/>
-          </a:p>
-        </p:txBody>
-      </p:sp>
-      <p:sp>
-        <p:nvSpPr>
-          <p:cNvPr id="8" name="矩形 7"/>
-          <p:cNvSpPr/>
-          <p:nvPr/>
-        </p:nvSpPr>
-        <p:spPr>
-          <a:xfrm>
-            <a:off x="3913417" y="5151726"/>
-            <a:ext cx="1471197" cy="691225"/>
-          </a:xfrm>
-          <a:prstGeom prst="rect">
-            <a:avLst/>
-          </a:prstGeom>
-        </p:spPr>
-        <p:style>
-          <a:lnRef idx="1">
-            <a:schemeClr val="accent1"/>
-          </a:lnRef>
-          <a:fillRef idx="3">
-            <a:schemeClr val="accent1"/>
-          </a:fillRef>
-          <a:effectRef idx="2">
-            <a:schemeClr val="accent1"/>
-          </a:effectRef>
-          <a:fontRef idx="minor">
-            <a:schemeClr val="lt1"/>
-          </a:fontRef>
-        </p:style>
-        <p:txBody>
-          <a:bodyPr rtlCol="0" anchor="ctr"/>
-          <a:lstStyle/>
-          <a:p>
-            <a:pPr algn="ctr"/>
-            <a:r>
-              <a:rPr kumimoji="1" lang="en-US" altLang="zh-CN" dirty="0" smtClean="0"/>
-              <a:t>Cue Words</a:t>
-            </a:r>
-            <a:endParaRPr kumimoji="1" lang="zh-CN" altLang="en-US" dirty="0"/>
-          </a:p>
-        </p:txBody>
-      </p:sp>
-      <p:sp>
-        <p:nvSpPr>
-          <p:cNvPr id="9" name="矩形 8"/>
-          <p:cNvSpPr/>
-          <p:nvPr/>
-        </p:nvSpPr>
-        <p:spPr>
-          <a:xfrm>
-            <a:off x="3913417" y="4419376"/>
-            <a:ext cx="1471197" cy="691225"/>
-          </a:xfrm>
-          <a:prstGeom prst="rect">
-            <a:avLst/>
-          </a:prstGeom>
-        </p:spPr>
-        <p:style>
-          <a:lnRef idx="1">
-            <a:schemeClr val="accent1"/>
-          </a:lnRef>
-          <a:fillRef idx="3">
-            <a:schemeClr val="accent1"/>
-          </a:fillRef>
-          <a:effectRef idx="2">
-            <a:schemeClr val="accent1"/>
-          </a:effectRef>
-          <a:fontRef idx="minor">
-            <a:schemeClr val="lt1"/>
-          </a:fontRef>
-        </p:style>
-        <p:txBody>
-          <a:bodyPr rtlCol="0" anchor="ctr"/>
-          <a:lstStyle/>
-          <a:p>
-            <a:pPr algn="ctr"/>
-            <a:r>
-              <a:rPr kumimoji="1" lang="en-US" altLang="zh-CN" dirty="0" smtClean="0"/>
-              <a:t>Position</a:t>
-            </a:r>
-            <a:endParaRPr kumimoji="1" lang="zh-CN" altLang="en-US" dirty="0"/>
-          </a:p>
-        </p:txBody>
-      </p:sp>
-      <p:sp>
-        <p:nvSpPr>
-          <p:cNvPr id="10" name="矩形 9"/>
-          <p:cNvSpPr/>
-          <p:nvPr/>
-        </p:nvSpPr>
-        <p:spPr>
-          <a:xfrm>
-            <a:off x="3913417" y="3679926"/>
-            <a:ext cx="1471197" cy="691225"/>
-          </a:xfrm>
-          <a:prstGeom prst="rect">
-            <a:avLst/>
-          </a:prstGeom>
-        </p:spPr>
-        <p:style>
-          <a:lnRef idx="1">
-            <a:schemeClr val="accent1"/>
-          </a:lnRef>
-          <a:fillRef idx="3">
-            <a:schemeClr val="accent1"/>
-          </a:fillRef>
-          <a:effectRef idx="2">
-            <a:schemeClr val="accent1"/>
-          </a:effectRef>
-          <a:fontRef idx="minor">
-            <a:schemeClr val="lt1"/>
-          </a:fontRef>
-        </p:style>
-        <p:txBody>
-          <a:bodyPr rtlCol="0" anchor="ctr"/>
-          <a:lstStyle/>
-          <a:p>
-            <a:pPr algn="ctr"/>
-            <a:r>
-              <a:rPr kumimoji="1" lang="en-US" altLang="zh-CN" dirty="0" smtClean="0"/>
-              <a:t>Frequency</a:t>
-            </a:r>
-            <a:endParaRPr kumimoji="1" lang="zh-CN" altLang="en-US" dirty="0"/>
-          </a:p>
-        </p:txBody>
-      </p:sp>
-      <p:sp>
-        <p:nvSpPr>
-          <p:cNvPr id="11" name="矩形 10"/>
-          <p:cNvSpPr/>
-          <p:nvPr/>
-        </p:nvSpPr>
-        <p:spPr>
-          <a:xfrm>
-            <a:off x="5562317" y="3671576"/>
-            <a:ext cx="1471197" cy="691225"/>
-          </a:xfrm>
-          <a:prstGeom prst="rect">
-            <a:avLst/>
-          </a:prstGeom>
-        </p:spPr>
-        <p:style>
-          <a:lnRef idx="1">
-            <a:schemeClr val="accent1"/>
-          </a:lnRef>
-          <a:fillRef idx="3">
-            <a:schemeClr val="accent1"/>
-          </a:fillRef>
-          <a:effectRef idx="2">
-            <a:schemeClr val="accent1"/>
-          </a:effectRef>
-          <a:fontRef idx="minor">
-            <a:schemeClr val="lt1"/>
-          </a:fontRef>
-        </p:style>
-        <p:txBody>
-          <a:bodyPr rtlCol="0" anchor="ctr"/>
-          <a:lstStyle/>
-          <a:p>
-            <a:pPr algn="ctr"/>
-            <a:r>
-              <a:rPr kumimoji="1" lang="en-US" altLang="zh-CN" dirty="0" smtClean="0"/>
-              <a:t>Scored</a:t>
-            </a:r>
-          </a:p>
-          <a:p>
-            <a:pPr algn="ctr"/>
-            <a:r>
-              <a:rPr kumimoji="1" lang="en-US" altLang="zh-CN" dirty="0" smtClean="0"/>
-              <a:t>Sentences</a:t>
-            </a:r>
-            <a:endParaRPr kumimoji="1" lang="zh-CN" altLang="en-US" dirty="0"/>
-          </a:p>
-        </p:txBody>
-      </p:sp>
-      <p:sp>
-        <p:nvSpPr>
-          <p:cNvPr id="12" name="矩形 11"/>
-          <p:cNvSpPr/>
-          <p:nvPr/>
-        </p:nvSpPr>
-        <p:spPr>
-          <a:xfrm>
-            <a:off x="7218287" y="3656438"/>
-            <a:ext cx="1471197" cy="691225"/>
-          </a:xfrm>
-          <a:prstGeom prst="rect">
-            <a:avLst/>
-          </a:prstGeom>
-        </p:spPr>
-        <p:style>
-          <a:lnRef idx="1">
-            <a:schemeClr val="accent1"/>
-          </a:lnRef>
-          <a:fillRef idx="3">
-            <a:schemeClr val="accent1"/>
-          </a:fillRef>
-          <a:effectRef idx="2">
-            <a:schemeClr val="accent1"/>
-          </a:effectRef>
-          <a:fontRef idx="minor">
-            <a:schemeClr val="lt1"/>
-          </a:fontRef>
-        </p:style>
-        <p:txBody>
-          <a:bodyPr rtlCol="0" anchor="ctr"/>
-          <a:lstStyle/>
-          <a:p>
-            <a:pPr algn="ctr"/>
-            <a:r>
-              <a:rPr kumimoji="1" lang="en-US" altLang="zh-CN" dirty="0" smtClean="0"/>
-              <a:t>Summary</a:t>
-            </a:r>
-            <a:endParaRPr kumimoji="1" lang="zh-CN" altLang="en-US" dirty="0"/>
-          </a:p>
-        </p:txBody>
-      </p:sp>
-      <p:sp>
-        <p:nvSpPr>
-          <p:cNvPr id="13" name="环形箭头 12"/>
-          <p:cNvSpPr/>
-          <p:nvPr/>
-        </p:nvSpPr>
-        <p:spPr>
-          <a:xfrm>
-            <a:off x="1318342" y="2700601"/>
-            <a:ext cx="1623814" cy="1718775"/>
-          </a:xfrm>
-          <a:prstGeom prst="circularArrow">
-            <a:avLst/>
-          </a:prstGeom>
-        </p:spPr>
-        <p:style>
-          <a:lnRef idx="1">
-            <a:schemeClr val="accent1"/>
-          </a:lnRef>
-          <a:fillRef idx="3">
-            <a:schemeClr val="accent1"/>
-          </a:fillRef>
-          <a:effectRef idx="2">
-            <a:schemeClr val="accent1"/>
-          </a:effectRef>
-          <a:fontRef idx="minor">
-            <a:schemeClr val="lt1"/>
-          </a:fontRef>
-        </p:style>
-        <p:txBody>
-          <a:bodyPr rtlCol="0" anchor="ctr"/>
-          <a:lstStyle/>
-          <a:p>
-            <a:pPr algn="ctr"/>
-            <a:endParaRPr kumimoji="1" lang="zh-CN" altLang="en-US" dirty="0">
-              <a:solidFill>
-                <a:schemeClr val="tx1"/>
-              </a:solidFill>
-            </a:endParaRPr>
-          </a:p>
-        </p:txBody>
-      </p:sp>
-      <p:sp>
-        <p:nvSpPr>
-          <p:cNvPr id="15" name="环形箭头 14"/>
-          <p:cNvSpPr/>
-          <p:nvPr/>
-        </p:nvSpPr>
-        <p:spPr>
-          <a:xfrm>
-            <a:off x="2998094" y="2700601"/>
-            <a:ext cx="1623814" cy="1718775"/>
-          </a:xfrm>
-          <a:prstGeom prst="circularArrow">
-            <a:avLst/>
-          </a:prstGeom>
-        </p:spPr>
-        <p:style>
-          <a:lnRef idx="1">
-            <a:schemeClr val="accent1"/>
-          </a:lnRef>
-          <a:fillRef idx="3">
-            <a:schemeClr val="accent1"/>
-          </a:fillRef>
-          <a:effectRef idx="2">
-            <a:schemeClr val="accent1"/>
-          </a:effectRef>
-          <a:fontRef idx="minor">
-            <a:schemeClr val="lt1"/>
-          </a:fontRef>
-        </p:style>
-        <p:txBody>
-          <a:bodyPr rtlCol="0" anchor="ctr"/>
-          <a:lstStyle/>
-          <a:p>
-            <a:pPr algn="ctr"/>
-            <a:endParaRPr kumimoji="1" lang="zh-CN" altLang="en-US" dirty="0">
-              <a:solidFill>
-                <a:schemeClr val="tx1"/>
-              </a:solidFill>
-            </a:endParaRPr>
-          </a:p>
-        </p:txBody>
-      </p:sp>
-      <p:sp>
-        <p:nvSpPr>
-          <p:cNvPr id="16" name="环形箭头 15"/>
-          <p:cNvSpPr/>
-          <p:nvPr/>
-        </p:nvSpPr>
-        <p:spPr>
-          <a:xfrm>
-            <a:off x="4670139" y="2700601"/>
-            <a:ext cx="1623814" cy="1718775"/>
-          </a:xfrm>
-          <a:prstGeom prst="circularArrow">
-            <a:avLst/>
-          </a:prstGeom>
-        </p:spPr>
-        <p:style>
-          <a:lnRef idx="1">
-            <a:schemeClr val="accent1"/>
-          </a:lnRef>
-          <a:fillRef idx="3">
-            <a:schemeClr val="accent1"/>
-          </a:fillRef>
-          <a:effectRef idx="2">
-            <a:schemeClr val="accent1"/>
-          </a:effectRef>
-          <a:fontRef idx="minor">
-            <a:schemeClr val="lt1"/>
-          </a:fontRef>
-        </p:style>
-        <p:txBody>
-          <a:bodyPr rtlCol="0" anchor="ctr"/>
-          <a:lstStyle/>
-          <a:p>
-            <a:pPr algn="ctr"/>
-            <a:endParaRPr kumimoji="1" lang="zh-CN" altLang="en-US" dirty="0">
-              <a:solidFill>
-                <a:schemeClr val="tx1"/>
-              </a:solidFill>
-            </a:endParaRPr>
-          </a:p>
-        </p:txBody>
-      </p:sp>
-      <p:sp>
-        <p:nvSpPr>
-          <p:cNvPr id="17" name="环形箭头 16"/>
-          <p:cNvSpPr/>
-          <p:nvPr/>
-        </p:nvSpPr>
-        <p:spPr>
-          <a:xfrm>
-            <a:off x="6318069" y="2700601"/>
-            <a:ext cx="1623814" cy="1718775"/>
-          </a:xfrm>
-          <a:prstGeom prst="circularArrow">
-            <a:avLst/>
-          </a:prstGeom>
-        </p:spPr>
-        <p:style>
-          <a:lnRef idx="1">
-            <a:schemeClr val="accent1"/>
-          </a:lnRef>
-          <a:fillRef idx="3">
-            <a:schemeClr val="accent1"/>
-          </a:fillRef>
-          <a:effectRef idx="2">
-            <a:schemeClr val="accent1"/>
-          </a:effectRef>
-          <a:fontRef idx="minor">
-            <a:schemeClr val="lt1"/>
-          </a:fontRef>
-        </p:style>
-        <p:txBody>
-          <a:bodyPr rtlCol="0" anchor="ctr"/>
-          <a:lstStyle/>
-          <a:p>
-            <a:pPr algn="ctr"/>
-            <a:endParaRPr kumimoji="1" lang="zh-CN" altLang="en-US" dirty="0">
-              <a:solidFill>
-                <a:schemeClr val="tx1"/>
-              </a:solidFill>
-            </a:endParaRPr>
-          </a:p>
-        </p:txBody>
-      </p:sp>
-      <p:sp>
-        <p:nvSpPr>
-          <p:cNvPr id="18" name="文本框 17"/>
-          <p:cNvSpPr txBox="1"/>
-          <p:nvPr/>
-        </p:nvSpPr>
-        <p:spPr>
-          <a:xfrm>
-            <a:off x="538476" y="2081910"/>
-            <a:ext cx="8605524" cy="646331"/>
-          </a:xfrm>
-          <a:prstGeom prst="rect">
-            <a:avLst/>
-          </a:prstGeom>
-          <a:noFill/>
-        </p:spPr>
-        <p:txBody>
-          <a:bodyPr wrap="square" rtlCol="0">
-            <a:spAutoFit/>
-          </a:bodyPr>
-          <a:lstStyle/>
-          <a:p>
-            <a:r>
-              <a:rPr kumimoji="1" lang="en-US" altLang="zh-CN" dirty="0" smtClean="0"/>
-              <a:t>	Preprocessing        Feature		Sentence	        Sentence Selection &amp;</a:t>
-            </a:r>
-          </a:p>
-          <a:p>
-            <a:r>
-              <a:rPr kumimoji="1" lang="en-US" altLang="zh-CN" dirty="0"/>
-              <a:t>	</a:t>
-            </a:r>
-            <a:r>
-              <a:rPr kumimoji="1" lang="en-US" altLang="zh-CN" dirty="0" smtClean="0"/>
-              <a:t>	                Extraction            Scoring            </a:t>
-            </a:r>
-            <a:r>
-              <a:rPr kumimoji="1" lang="en-US" altLang="zh-CN" dirty="0"/>
-              <a:t>Information Ordering </a:t>
+              <a:t>Improvements in content selection</a:t>
             </a:r>
           </a:p>
         </p:txBody>
@@ -6451,7 +5061,7 @@
     </p:spTree>
     <p:extLst>
       <p:ext uri="{BB962C8B-B14F-4D97-AF65-F5344CB8AC3E}">
-        <p14:creationId xmlns:p14="http://schemas.microsoft.com/office/powerpoint/2010/main" val="3491531473"/>
+        <p14:creationId xmlns:p14="http://schemas.microsoft.com/office/powerpoint/2010/main" val="1634841051"/>
       </p:ext>
     </p:extLst>
   </p:cSld>
@@ -6495,96 +5105,172 @@
             <p:ph idx="1"/>
           </p:nvPr>
         </p:nvSpPr>
-        <p:spPr/>
+        <p:spPr>
+          <a:xfrm>
+            <a:off x="699248" y="2248347"/>
+            <a:ext cx="3867942" cy="3877815"/>
+          </a:xfrm>
+        </p:spPr>
         <p:txBody>
           <a:bodyPr>
-            <a:normAutofit lnSpcReduction="10000"/>
+            <a:normAutofit fontScale="62500" lnSpcReduction="20000"/>
           </a:bodyPr>
           <a:lstStyle/>
           <a:p>
             <a:r>
+              <a:rPr kumimoji="1" lang="en-US" altLang="zh-CN" dirty="0" err="1" smtClean="0"/>
+              <a:t>Word_dict</a:t>
+            </a:r>
+            <a:r>
               <a:rPr kumimoji="1" lang="en-US" altLang="zh-CN" dirty="0" smtClean="0"/>
-              <a:t>Sentence </a:t>
-            </a:r>
+              <a:t> selection change</a:t>
+            </a:r>
+          </a:p>
+          <a:p>
+            <a:pPr lvl="1"/>
             <a:r>
               <a:rPr kumimoji="1" lang="en-US" altLang="zh-CN" dirty="0" smtClean="0"/>
-              <a:t>segmentation (\n \t format stripping)</a:t>
-            </a:r>
-            <a:endParaRPr kumimoji="1" lang="en-US" altLang="zh-CN" dirty="0" smtClean="0"/>
-          </a:p>
-          <a:p>
-            <a:endParaRPr kumimoji="1" lang="en-US" altLang="zh-CN" dirty="0" smtClean="0"/>
-          </a:p>
-          <a:p>
-            <a:r>
-              <a:rPr kumimoji="1" lang="en-US" altLang="zh-CN" dirty="0" smtClean="0"/>
-              <a:t>Word tokenization</a:t>
-            </a:r>
-          </a:p>
-          <a:p>
-            <a:endParaRPr kumimoji="1" lang="en-US" altLang="zh-CN" dirty="0" smtClean="0"/>
-          </a:p>
-          <a:p>
-            <a:r>
-              <a:rPr kumimoji="1" lang="en-US" altLang="zh-CN" dirty="0" smtClean="0"/>
-              <a:t>Stop word </a:t>
-            </a:r>
-            <a:r>
-              <a:rPr kumimoji="1" lang="en-US" altLang="zh-CN" dirty="0" smtClean="0"/>
-              <a:t>removal</a:t>
-            </a:r>
-            <a:endParaRPr kumimoji="1" lang="en-US" altLang="zh-CN" dirty="0" smtClean="0"/>
-          </a:p>
-          <a:p>
-            <a:endParaRPr kumimoji="1" lang="en-US" altLang="zh-CN" dirty="0" smtClean="0"/>
-          </a:p>
-          <a:p>
-            <a:r>
-              <a:rPr kumimoji="1" lang="en-US" altLang="zh-CN" dirty="0" smtClean="0"/>
-              <a:t>Ignored </a:t>
-            </a:r>
-            <a:r>
-              <a:rPr kumimoji="1" lang="en-US" altLang="zh-CN" dirty="0" smtClean="0"/>
-              <a:t>word </a:t>
-            </a:r>
-            <a:r>
-              <a:rPr kumimoji="1" lang="en-US" altLang="zh-CN" dirty="0" smtClean="0"/>
-              <a:t>selection ( “The” issue.  ? </a:t>
-            </a:r>
-            <a:r>
-              <a:rPr lang="en-US" altLang="zh-CN" dirty="0" err="1" smtClean="0"/>
-              <a:t>tf</a:t>
+              <a:t>All words except selected ignore words</a:t>
+            </a:r>
+          </a:p>
+          <a:p>
+            <a:pPr lvl="2"/>
+            <a:r>
+              <a:rPr lang="nl-NL" altLang="zh-CN" dirty="0" err="1"/>
+              <a:t>IgnoredWords</a:t>
+            </a:r>
+            <a:r>
+              <a:rPr lang="nl-NL" altLang="zh-CN" dirty="0"/>
+              <a:t> = ['the', 'of', 'a', '</a:t>
+            </a:r>
+            <a:r>
+              <a:rPr lang="nl-NL" altLang="zh-CN" dirty="0" err="1"/>
+              <a:t>to</a:t>
+            </a:r>
+            <a:r>
+              <a:rPr lang="nl-NL" altLang="zh-CN" dirty="0"/>
+              <a:t>', '</a:t>
+            </a:r>
+            <a:r>
+              <a:rPr lang="nl-NL" altLang="zh-CN" dirty="0" err="1"/>
+              <a:t>that</a:t>
+            </a:r>
+            <a:r>
+              <a:rPr lang="nl-NL" altLang="zh-CN" dirty="0"/>
+              <a:t>', '</a:t>
+            </a:r>
+            <a:r>
+              <a:rPr lang="nl-NL" altLang="zh-CN" dirty="0" err="1"/>
+              <a:t>and</a:t>
+            </a:r>
+            <a:r>
+              <a:rPr lang="nl-NL" altLang="zh-CN" dirty="0"/>
+              <a:t>', 'in', '``', "''"</a:t>
+            </a:r>
+            <a:r>
+              <a:rPr lang="nl-NL" altLang="zh-CN" dirty="0" smtClean="0"/>
+              <a:t>]</a:t>
+            </a:r>
+          </a:p>
+          <a:p>
+            <a:pPr lvl="2"/>
+            <a:endParaRPr lang="en-US" altLang="zh-CN" dirty="0" smtClean="0"/>
+          </a:p>
+          <a:p>
+            <a:pPr lvl="1"/>
+            <a:r>
+              <a:rPr lang="en-US" altLang="zh-CN" dirty="0" smtClean="0"/>
+              <a:t>Use POS tag weight to decides word selection</a:t>
+            </a:r>
+          </a:p>
+          <a:p>
+            <a:pPr lvl="2"/>
+            <a:r>
+              <a:rPr lang="en-US" altLang="zh-CN" dirty="0" smtClean="0"/>
+              <a:t>words </a:t>
+            </a:r>
+            <a:r>
+              <a:rPr lang="en-US" altLang="zh-CN" dirty="0"/>
+              <a:t>= </a:t>
             </a:r>
             <a:r>
               <a:rPr lang="en-US" altLang="zh-CN" dirty="0" err="1"/>
-              <a:t>•</a:t>
-            </a:r>
-            <a:r>
-              <a:rPr lang="en-US" altLang="zh-CN" dirty="0" err="1" smtClean="0"/>
-              <a:t>idf</a:t>
+              <a:t>nltk.word_tokenize</a:t>
+            </a:r>
+            <a:r>
+              <a:rPr lang="en-US" altLang="zh-CN" dirty="0"/>
+              <a:t>(sentence</a:t>
+            </a:r>
+            <a:r>
+              <a:rPr lang="en-US" altLang="zh-CN" dirty="0" smtClean="0"/>
+              <a:t>)</a:t>
+            </a:r>
+          </a:p>
+          <a:p>
+            <a:pPr lvl="2"/>
+            <a:r>
+              <a:rPr lang="en-US" altLang="zh-CN" dirty="0" smtClean="0"/>
+              <a:t>words </a:t>
+            </a:r>
+            <a:r>
+              <a:rPr lang="en-US" altLang="zh-CN" dirty="0"/>
+              <a:t>= </a:t>
+            </a:r>
+            <a:r>
+              <a:rPr lang="en-US" altLang="zh-CN" dirty="0" err="1"/>
+              <a:t>nltk.pos_tag</a:t>
+            </a:r>
+            <a:r>
+              <a:rPr lang="en-US" altLang="zh-CN" dirty="0"/>
+              <a:t>(words</a:t>
+            </a:r>
+            <a:r>
+              <a:rPr lang="en-US" altLang="zh-CN" dirty="0" smtClean="0"/>
+              <a:t>)</a:t>
+            </a:r>
+          </a:p>
+          <a:p>
+            <a:pPr lvl="2"/>
+            <a:r>
+              <a:rPr lang="mr-IN" altLang="zh-CN" dirty="0"/>
+              <a:t>POS_tag_weight = {"CD": 1, "JJ": 1, "JJR": 1, "JJS": </a:t>
+            </a:r>
+            <a:r>
+              <a:rPr lang="mr-IN" altLang="zh-CN" dirty="0" smtClean="0"/>
+              <a:t>1,</a:t>
             </a:r>
             <a:r>
               <a:rPr lang="en-US" altLang="zh-CN" dirty="0" smtClean="0"/>
               <a:t> </a:t>
             </a:r>
             <a:r>
-              <a:rPr kumimoji="1" lang="en-US" altLang="zh-CN" dirty="0" smtClean="0"/>
-              <a:t>)</a:t>
+              <a:rPr lang="mr-IN" altLang="zh-CN" dirty="0" smtClean="0"/>
+              <a:t> </a:t>
+            </a:r>
+            <a:r>
+              <a:rPr lang="mr-IN" altLang="zh-CN" dirty="0"/>
+              <a:t>"NN": 5, "NNS": 5, "NNP": 5, "NNPS": 5, "PRP": 1, "PRP$": 1,</a:t>
+            </a:r>
+            <a:br>
+              <a:rPr lang="mr-IN" altLang="zh-CN" dirty="0"/>
+            </a:br>
+            <a:r>
+              <a:rPr lang="mr-IN" altLang="zh-CN" dirty="0"/>
+              <a:t> "VB": 5, "VBD": 5, "VBG": 5, "VBN": 5, "VBP": 5, "VBZ": 5}</a:t>
+            </a:r>
+          </a:p>
+          <a:p>
+            <a:pPr lvl="2"/>
+            <a:r>
+              <a:rPr lang="mr-IN" altLang="zh-CN" dirty="0"/>
+              <a:t>Ignore_words = ['said', 'be', 'is', 'was', 'are', 'were', 'have', 'has', 'had’</a:t>
+            </a:r>
+            <a:r>
+              <a:rPr lang="mr-IN" altLang="zh-CN" dirty="0" smtClean="0"/>
+              <a:t>]</a:t>
             </a:r>
             <a:endParaRPr kumimoji="1" lang="en-US" altLang="zh-CN" dirty="0" smtClean="0"/>
           </a:p>
-          <a:p>
-            <a:endParaRPr kumimoji="1" lang="en-US" altLang="zh-CN" dirty="0" smtClean="0"/>
-          </a:p>
-          <a:p>
-            <a:r>
-              <a:rPr kumimoji="1" lang="en-US" altLang="zh-CN" dirty="0" smtClean="0"/>
-              <a:t>Stemming</a:t>
-            </a:r>
-          </a:p>
-          <a:p>
-            <a:endParaRPr kumimoji="1" lang="zh-CN" altLang="en-US" dirty="0"/>
-          </a:p>
         </p:txBody>
       </p:sp>
       <p:sp>
@@ -6597,23 +5283,539 @@
             <p:ph type="title"/>
           </p:nvPr>
         </p:nvSpPr>
-        <p:spPr/>
+        <p:spPr>
+          <a:xfrm>
+            <a:off x="688490" y="0"/>
+            <a:ext cx="7756263" cy="1624406"/>
+          </a:xfrm>
+        </p:spPr>
         <p:txBody>
           <a:bodyPr/>
           <a:lstStyle/>
           <a:p>
             <a:r>
-              <a:rPr kumimoji="1" lang="en-US" altLang="zh-CN" dirty="0" smtClean="0"/>
-              <a:t>Preprocessing</a:t>
-            </a:r>
-            <a:endParaRPr kumimoji="1" lang="zh-CN" altLang="en-US" dirty="0"/>
+              <a:rPr kumimoji="1" lang="en-US" altLang="zh-CN" dirty="0"/>
+              <a:t>Improvements in content selection</a:t>
+            </a:r>
+          </a:p>
+        </p:txBody>
+      </p:sp>
+      <p:sp>
+        <p:nvSpPr>
+          <p:cNvPr id="4" name="内容占位符 1"/>
+          <p:cNvSpPr txBox="1">
+            <a:spLocks/>
+          </p:cNvSpPr>
+          <p:nvPr/>
+        </p:nvSpPr>
+        <p:spPr>
+          <a:xfrm>
+            <a:off x="4567190" y="2248347"/>
+            <a:ext cx="3867942" cy="3877815"/>
+          </a:xfrm>
+          <a:prstGeom prst="rect">
+            <a:avLst/>
+          </a:prstGeom>
+        </p:spPr>
+        <p:txBody>
+          <a:bodyPr vert="horz" lIns="91440" tIns="45720" rIns="91440" bIns="45720" rtlCol="0">
+            <a:normAutofit fontScale="32500" lnSpcReduction="20000"/>
+          </a:bodyPr>
+          <a:lstStyle>
+            <a:lvl1pPr marL="365760" indent="-365760" algn="l" defTabSz="914400" rtl="0" eaLnBrk="1" latinLnBrk="0" hangingPunct="1">
+              <a:spcBef>
+                <a:spcPct val="20000"/>
+              </a:spcBef>
+              <a:buClr>
+                <a:schemeClr val="accent1"/>
+              </a:buClr>
+              <a:buFont typeface="Wingdings" pitchFamily="2" charset="2"/>
+              <a:buChar char=""/>
+              <a:defRPr sz="2400" kern="1200">
+                <a:solidFill>
+                  <a:schemeClr val="tx1">
+                    <a:lumMod val="85000"/>
+                    <a:lumOff val="15000"/>
+                  </a:schemeClr>
+                </a:solidFill>
+                <a:latin typeface="+mn-lt"/>
+                <a:ea typeface="+mn-ea"/>
+                <a:cs typeface="+mn-cs"/>
+              </a:defRPr>
+            </a:lvl1pPr>
+            <a:lvl2pPr marL="777240" indent="-365760" algn="l" defTabSz="914400" rtl="0" eaLnBrk="1" latinLnBrk="0" hangingPunct="1">
+              <a:spcBef>
+                <a:spcPct val="20000"/>
+              </a:spcBef>
+              <a:buClr>
+                <a:schemeClr val="accent1"/>
+              </a:buClr>
+              <a:buFont typeface="Wingdings" pitchFamily="2" charset="2"/>
+              <a:buChar char=""/>
+              <a:defRPr sz="2200" kern="1200">
+                <a:solidFill>
+                  <a:schemeClr val="tx1">
+                    <a:lumMod val="85000"/>
+                    <a:lumOff val="15000"/>
+                  </a:schemeClr>
+                </a:solidFill>
+                <a:latin typeface="+mn-lt"/>
+                <a:ea typeface="+mn-ea"/>
+                <a:cs typeface="+mn-cs"/>
+              </a:defRPr>
+            </a:lvl2pPr>
+            <a:lvl3pPr marL="1143000" indent="-365760" algn="l" defTabSz="914400" rtl="0" eaLnBrk="1" latinLnBrk="0" hangingPunct="1">
+              <a:spcBef>
+                <a:spcPct val="20000"/>
+              </a:spcBef>
+              <a:buClr>
+                <a:schemeClr val="accent1"/>
+              </a:buClr>
+              <a:buFont typeface="Wingdings" pitchFamily="2" charset="2"/>
+              <a:buChar char=""/>
+              <a:defRPr sz="2000" kern="1200">
+                <a:solidFill>
+                  <a:schemeClr val="tx1">
+                    <a:lumMod val="85000"/>
+                    <a:lumOff val="15000"/>
+                  </a:schemeClr>
+                </a:solidFill>
+                <a:latin typeface="+mn-lt"/>
+                <a:ea typeface="+mn-ea"/>
+                <a:cs typeface="+mn-cs"/>
+              </a:defRPr>
+            </a:lvl3pPr>
+            <a:lvl4pPr marL="1508760" indent="-320040" algn="l" defTabSz="914400" rtl="0" eaLnBrk="1" latinLnBrk="0" hangingPunct="1">
+              <a:spcBef>
+                <a:spcPct val="20000"/>
+              </a:spcBef>
+              <a:buClr>
+                <a:schemeClr val="accent1"/>
+              </a:buClr>
+              <a:buFont typeface="Wingdings" pitchFamily="2" charset="2"/>
+              <a:buChar char=""/>
+              <a:defRPr sz="1800" kern="1200">
+                <a:solidFill>
+                  <a:schemeClr val="tx1">
+                    <a:lumMod val="85000"/>
+                    <a:lumOff val="15000"/>
+                  </a:schemeClr>
+                </a:solidFill>
+                <a:latin typeface="+mn-lt"/>
+                <a:ea typeface="+mn-ea"/>
+                <a:cs typeface="+mn-cs"/>
+              </a:defRPr>
+            </a:lvl4pPr>
+            <a:lvl5pPr marL="1828800" indent="-320040" algn="l" defTabSz="914400" rtl="0" eaLnBrk="1" latinLnBrk="0" hangingPunct="1">
+              <a:spcBef>
+                <a:spcPct val="20000"/>
+              </a:spcBef>
+              <a:buClr>
+                <a:schemeClr val="accent1"/>
+              </a:buClr>
+              <a:buFont typeface="Wingdings" pitchFamily="2" charset="2"/>
+              <a:buChar char=""/>
+              <a:defRPr sz="1600" kern="1200">
+                <a:solidFill>
+                  <a:schemeClr val="tx1">
+                    <a:lumMod val="85000"/>
+                    <a:lumOff val="15000"/>
+                  </a:schemeClr>
+                </a:solidFill>
+                <a:latin typeface="+mn-lt"/>
+                <a:ea typeface="+mn-ea"/>
+                <a:cs typeface="+mn-cs"/>
+              </a:defRPr>
+            </a:lvl5pPr>
+            <a:lvl6pPr marL="2148840" indent="-274320" algn="l" defTabSz="914400" rtl="0" eaLnBrk="1" latinLnBrk="0" hangingPunct="1">
+              <a:spcBef>
+                <a:spcPts val="400"/>
+              </a:spcBef>
+              <a:buClr>
+                <a:schemeClr val="accent1"/>
+              </a:buClr>
+              <a:buFont typeface="Wingdings" pitchFamily="2" charset="2"/>
+              <a:buChar char=""/>
+              <a:defRPr sz="1400" kern="1200">
+                <a:solidFill>
+                  <a:schemeClr val="tx1"/>
+                </a:solidFill>
+                <a:latin typeface="+mn-lt"/>
+                <a:ea typeface="+mn-ea"/>
+                <a:cs typeface="+mn-cs"/>
+              </a:defRPr>
+            </a:lvl6pPr>
+            <a:lvl7pPr marL="2468880" indent="-274320" algn="l" defTabSz="914400" rtl="0" eaLnBrk="1" latinLnBrk="0" hangingPunct="1">
+              <a:spcBef>
+                <a:spcPts val="400"/>
+              </a:spcBef>
+              <a:buClr>
+                <a:schemeClr val="accent1"/>
+              </a:buClr>
+              <a:buFont typeface="Wingdings" pitchFamily="2" charset="2"/>
+              <a:buChar char=""/>
+              <a:defRPr sz="1400" kern="1200">
+                <a:solidFill>
+                  <a:schemeClr val="tx1"/>
+                </a:solidFill>
+                <a:latin typeface="+mn-lt"/>
+                <a:ea typeface="+mn-ea"/>
+                <a:cs typeface="+mn-cs"/>
+              </a:defRPr>
+            </a:lvl7pPr>
+            <a:lvl8pPr marL="2788920" indent="-274320" algn="l" defTabSz="914400" rtl="0" eaLnBrk="1" latinLnBrk="0" hangingPunct="1">
+              <a:spcBef>
+                <a:spcPts val="400"/>
+              </a:spcBef>
+              <a:buClr>
+                <a:schemeClr val="accent1"/>
+              </a:buClr>
+              <a:buFont typeface="Wingdings" pitchFamily="2" charset="2"/>
+              <a:buChar char=""/>
+              <a:defRPr sz="1400" kern="1200">
+                <a:solidFill>
+                  <a:schemeClr val="tx1"/>
+                </a:solidFill>
+                <a:latin typeface="+mn-lt"/>
+                <a:ea typeface="+mn-ea"/>
+                <a:cs typeface="+mn-cs"/>
+              </a:defRPr>
+            </a:lvl8pPr>
+            <a:lvl9pPr marL="3108960" indent="-274320" algn="l" defTabSz="914400" rtl="0" eaLnBrk="1" latinLnBrk="0" hangingPunct="1">
+              <a:spcBef>
+                <a:spcPts val="400"/>
+              </a:spcBef>
+              <a:buClr>
+                <a:schemeClr val="accent1"/>
+              </a:buClr>
+              <a:buFont typeface="Wingdings" pitchFamily="2" charset="2"/>
+              <a:buChar char=""/>
+              <a:defRPr sz="1400" kern="1200">
+                <a:solidFill>
+                  <a:schemeClr val="tx1"/>
+                </a:solidFill>
+                <a:latin typeface="+mn-lt"/>
+                <a:ea typeface="+mn-ea"/>
+                <a:cs typeface="+mn-cs"/>
+              </a:defRPr>
+            </a:lvl9pPr>
+          </a:lstStyle>
+          <a:p>
+            <a:r>
+              <a:rPr lang="en-US" altLang="zh-CN" i="1" dirty="0"/>
+              <a:t># Alphabetical list of part-of-speech tags used in the Penn Treebank Project:</a:t>
+            </a:r>
+            <a:br>
+              <a:rPr lang="en-US" altLang="zh-CN" i="1" dirty="0"/>
+            </a:br>
+            <a:r>
+              <a:rPr lang="en-US" altLang="zh-CN" i="1" dirty="0"/>
+              <a:t># N     Tag Description</a:t>
+            </a:r>
+            <a:br>
+              <a:rPr lang="en-US" altLang="zh-CN" i="1" dirty="0"/>
+            </a:br>
+            <a:r>
+              <a:rPr lang="en-US" altLang="zh-CN" i="1" dirty="0"/>
+              <a:t># 1.   CC Coordinating conjunction</a:t>
+            </a:r>
+            <a:br>
+              <a:rPr lang="en-US" altLang="zh-CN" i="1" dirty="0"/>
+            </a:br>
+            <a:r>
+              <a:rPr lang="en-US" altLang="zh-CN" i="1" dirty="0"/>
+              <a:t># 2.   CD Cardinal number</a:t>
+            </a:r>
+            <a:br>
+              <a:rPr lang="en-US" altLang="zh-CN" i="1" dirty="0"/>
+            </a:br>
+            <a:r>
+              <a:rPr lang="en-US" altLang="zh-CN" i="1" dirty="0"/>
+              <a:t># 3.   DT Determiner</a:t>
+            </a:r>
+            <a:br>
+              <a:rPr lang="en-US" altLang="zh-CN" i="1" dirty="0"/>
+            </a:br>
+            <a:r>
+              <a:rPr lang="en-US" altLang="zh-CN" i="1" dirty="0"/>
+              <a:t># 4.   EX Existential there</a:t>
+            </a:r>
+            <a:br>
+              <a:rPr lang="en-US" altLang="zh-CN" i="1" dirty="0"/>
+            </a:br>
+            <a:r>
+              <a:rPr lang="en-US" altLang="zh-CN" i="1" dirty="0"/>
+              <a:t># 5.   FW Foreign word</a:t>
+            </a:r>
+            <a:br>
+              <a:rPr lang="en-US" altLang="zh-CN" i="1" dirty="0"/>
+            </a:br>
+            <a:r>
+              <a:rPr lang="en-US" altLang="zh-CN" i="1" dirty="0"/>
+              <a:t># 6.   IN Preposition or subordinating conjunction</a:t>
+            </a:r>
+            <a:br>
+              <a:rPr lang="en-US" altLang="zh-CN" i="1" dirty="0"/>
+            </a:br>
+            <a:r>
+              <a:rPr lang="en-US" altLang="zh-CN" i="1" dirty="0"/>
+              <a:t># 7.   JJ Adjective</a:t>
+            </a:r>
+            <a:br>
+              <a:rPr lang="en-US" altLang="zh-CN" i="1" dirty="0"/>
+            </a:br>
+            <a:r>
+              <a:rPr lang="en-US" altLang="zh-CN" i="1" dirty="0"/>
+              <a:t># 8.   JJR    Adjective, comparative</a:t>
+            </a:r>
+            <a:br>
+              <a:rPr lang="en-US" altLang="zh-CN" i="1" dirty="0"/>
+            </a:br>
+            <a:r>
+              <a:rPr lang="en-US" altLang="zh-CN" i="1" dirty="0"/>
+              <a:t># 9.   JJS    Adjective, superlative</a:t>
+            </a:r>
+            <a:br>
+              <a:rPr lang="en-US" altLang="zh-CN" i="1" dirty="0"/>
+            </a:br>
+            <a:r>
+              <a:rPr lang="en-US" altLang="zh-CN" i="1" dirty="0"/>
+              <a:t># 10.  LS List item marker</a:t>
+            </a:r>
+            <a:br>
+              <a:rPr lang="en-US" altLang="zh-CN" i="1" dirty="0"/>
+            </a:br>
+            <a:r>
+              <a:rPr lang="en-US" altLang="zh-CN" i="1" dirty="0"/>
+              <a:t># 11.  MD Modal</a:t>
+            </a:r>
+            <a:br>
+              <a:rPr lang="en-US" altLang="zh-CN" i="1" dirty="0"/>
+            </a:br>
+            <a:r>
+              <a:rPr lang="en-US" altLang="zh-CN" i="1" dirty="0"/>
+              <a:t># 12.  NN Noun, singular or mass</a:t>
+            </a:r>
+            <a:br>
+              <a:rPr lang="en-US" altLang="zh-CN" i="1" dirty="0"/>
+            </a:br>
+            <a:r>
+              <a:rPr lang="en-US" altLang="zh-CN" i="1" dirty="0"/>
+              <a:t># 13.  NNS    Noun, plural</a:t>
+            </a:r>
+            <a:br>
+              <a:rPr lang="en-US" altLang="zh-CN" i="1" dirty="0"/>
+            </a:br>
+            <a:r>
+              <a:rPr lang="en-US" altLang="zh-CN" i="1" dirty="0"/>
+              <a:t># 14.  NNP    Proper noun, singular</a:t>
+            </a:r>
+            <a:br>
+              <a:rPr lang="en-US" altLang="zh-CN" i="1" dirty="0"/>
+            </a:br>
+            <a:r>
+              <a:rPr lang="en-US" altLang="zh-CN" i="1" dirty="0"/>
+              <a:t># 15.  NNPS   Proper noun, plural</a:t>
+            </a:r>
+            <a:br>
+              <a:rPr lang="en-US" altLang="zh-CN" i="1" dirty="0"/>
+            </a:br>
+            <a:r>
+              <a:rPr lang="en-US" altLang="zh-CN" i="1" dirty="0"/>
+              <a:t># 16.  PDT    </a:t>
+            </a:r>
+            <a:r>
+              <a:rPr lang="en-US" altLang="zh-CN" i="1" dirty="0" err="1"/>
+              <a:t>Predeterminer</a:t>
+            </a:r>
+            <a:r>
+              <a:rPr lang="en-US" altLang="zh-CN" i="1" dirty="0"/>
+              <a:t/>
+            </a:r>
+            <a:br>
+              <a:rPr lang="en-US" altLang="zh-CN" i="1" dirty="0"/>
+            </a:br>
+            <a:r>
+              <a:rPr lang="en-US" altLang="zh-CN" i="1" dirty="0"/>
+              <a:t># 17.  POS    Possessive ending</a:t>
+            </a:r>
+            <a:br>
+              <a:rPr lang="en-US" altLang="zh-CN" i="1" dirty="0"/>
+            </a:br>
+            <a:r>
+              <a:rPr lang="en-US" altLang="zh-CN" i="1" dirty="0"/>
+              <a:t># 18.  PRP    Personal pronoun</a:t>
+            </a:r>
+            <a:br>
+              <a:rPr lang="en-US" altLang="zh-CN" i="1" dirty="0"/>
+            </a:br>
+            <a:r>
+              <a:rPr lang="en-US" altLang="zh-CN" i="1" dirty="0"/>
+              <a:t># 19.  PRP$   Possessive pronoun</a:t>
+            </a:r>
+            <a:br>
+              <a:rPr lang="en-US" altLang="zh-CN" i="1" dirty="0"/>
+            </a:br>
+            <a:r>
+              <a:rPr lang="en-US" altLang="zh-CN" i="1" dirty="0"/>
+              <a:t># 20.  RB Adverb</a:t>
+            </a:r>
+            <a:br>
+              <a:rPr lang="en-US" altLang="zh-CN" i="1" dirty="0"/>
+            </a:br>
+            <a:r>
+              <a:rPr lang="en-US" altLang="zh-CN" i="1" dirty="0"/>
+              <a:t># 21.  RBR    Adverb, comparative</a:t>
+            </a:r>
+            <a:br>
+              <a:rPr lang="en-US" altLang="zh-CN" i="1" dirty="0"/>
+            </a:br>
+            <a:r>
+              <a:rPr lang="en-US" altLang="zh-CN" i="1" dirty="0"/>
+              <a:t># 22.  RBS    Adverb, superlative</a:t>
+            </a:r>
+            <a:br>
+              <a:rPr lang="en-US" altLang="zh-CN" i="1" dirty="0"/>
+            </a:br>
+            <a:r>
+              <a:rPr lang="en-US" altLang="zh-CN" i="1" dirty="0"/>
+              <a:t># 23.  RP Particle</a:t>
+            </a:r>
+            <a:br>
+              <a:rPr lang="en-US" altLang="zh-CN" i="1" dirty="0"/>
+            </a:br>
+            <a:r>
+              <a:rPr lang="en-US" altLang="zh-CN" i="1" dirty="0"/>
+              <a:t># 24.  SYM    Symbol</a:t>
+            </a:r>
+            <a:br>
+              <a:rPr lang="en-US" altLang="zh-CN" i="1" dirty="0"/>
+            </a:br>
+            <a:r>
+              <a:rPr lang="en-US" altLang="zh-CN" i="1" dirty="0"/>
+              <a:t># 25.  TO to</a:t>
+            </a:r>
+            <a:br>
+              <a:rPr lang="en-US" altLang="zh-CN" i="1" dirty="0"/>
+            </a:br>
+            <a:r>
+              <a:rPr lang="en-US" altLang="zh-CN" i="1" dirty="0"/>
+              <a:t># 26.  UH Interjection</a:t>
+            </a:r>
+            <a:br>
+              <a:rPr lang="en-US" altLang="zh-CN" i="1" dirty="0"/>
+            </a:br>
+            <a:r>
+              <a:rPr lang="en-US" altLang="zh-CN" i="1" dirty="0"/>
+              <a:t># 27.  VB Verb, base form</a:t>
+            </a:r>
+            <a:br>
+              <a:rPr lang="en-US" altLang="zh-CN" i="1" dirty="0"/>
+            </a:br>
+            <a:r>
+              <a:rPr lang="en-US" altLang="zh-CN" i="1" dirty="0"/>
+              <a:t># 28.  VBD    Verb, past tense</a:t>
+            </a:r>
+            <a:br>
+              <a:rPr lang="en-US" altLang="zh-CN" i="1" dirty="0"/>
+            </a:br>
+            <a:r>
+              <a:rPr lang="en-US" altLang="zh-CN" i="1" dirty="0"/>
+              <a:t># 29.  VBG    Verb, gerund or present participle</a:t>
+            </a:r>
+            <a:br>
+              <a:rPr lang="en-US" altLang="zh-CN" i="1" dirty="0"/>
+            </a:br>
+            <a:r>
+              <a:rPr lang="en-US" altLang="zh-CN" i="1" dirty="0"/>
+              <a:t># 30.  VBN    Verb, past participle</a:t>
+            </a:r>
+            <a:br>
+              <a:rPr lang="en-US" altLang="zh-CN" i="1" dirty="0"/>
+            </a:br>
+            <a:r>
+              <a:rPr lang="en-US" altLang="zh-CN" i="1" dirty="0"/>
+              <a:t># 31.  VBP    Verb, non-3rd person singular present</a:t>
+            </a:r>
+            <a:br>
+              <a:rPr lang="en-US" altLang="zh-CN" i="1" dirty="0"/>
+            </a:br>
+            <a:r>
+              <a:rPr lang="en-US" altLang="zh-CN" i="1" dirty="0"/>
+              <a:t># 32.  VBZ    Verb, 3rd person singular present</a:t>
+            </a:r>
+            <a:br>
+              <a:rPr lang="en-US" altLang="zh-CN" i="1" dirty="0"/>
+            </a:br>
+            <a:r>
+              <a:rPr lang="en-US" altLang="zh-CN" i="1" dirty="0"/>
+              <a:t># 33.  WDT    </a:t>
+            </a:r>
+            <a:r>
+              <a:rPr lang="en-US" altLang="zh-CN" i="1" dirty="0" err="1"/>
+              <a:t>Wh</a:t>
+            </a:r>
+            <a:r>
+              <a:rPr lang="en-US" altLang="zh-CN" i="1" dirty="0"/>
+              <a:t>-determiner</a:t>
+            </a:r>
+            <a:br>
+              <a:rPr lang="en-US" altLang="zh-CN" i="1" dirty="0"/>
+            </a:br>
+            <a:r>
+              <a:rPr lang="en-US" altLang="zh-CN" i="1" dirty="0"/>
+              <a:t># 34.  WP </a:t>
+            </a:r>
+            <a:r>
+              <a:rPr lang="en-US" altLang="zh-CN" i="1" dirty="0" err="1"/>
+              <a:t>Wh</a:t>
+            </a:r>
+            <a:r>
+              <a:rPr lang="en-US" altLang="zh-CN" i="1" dirty="0"/>
+              <a:t>-pronoun</a:t>
+            </a:r>
+            <a:br>
+              <a:rPr lang="en-US" altLang="zh-CN" i="1" dirty="0"/>
+            </a:br>
+            <a:r>
+              <a:rPr lang="en-US" altLang="zh-CN" i="1" dirty="0"/>
+              <a:t># 35.  WP$    Possessive </a:t>
+            </a:r>
+            <a:r>
+              <a:rPr lang="en-US" altLang="zh-CN" i="1" dirty="0" err="1"/>
+              <a:t>wh</a:t>
+            </a:r>
+            <a:r>
+              <a:rPr lang="en-US" altLang="zh-CN" i="1" dirty="0"/>
+              <a:t>-pronoun</a:t>
+            </a:r>
+            <a:br>
+              <a:rPr lang="en-US" altLang="zh-CN" i="1" dirty="0"/>
+            </a:br>
+            <a:r>
+              <a:rPr lang="en-US" altLang="zh-CN" i="1" dirty="0"/>
+              <a:t># 36.  WRB    </a:t>
+            </a:r>
+            <a:r>
+              <a:rPr lang="en-US" altLang="zh-CN" i="1" dirty="0" err="1"/>
+              <a:t>Wh</a:t>
+            </a:r>
+            <a:r>
+              <a:rPr lang="en-US" altLang="zh-CN" i="1" dirty="0"/>
+              <a:t>-</a:t>
+            </a:r>
+            <a:r>
+              <a:rPr lang="en-US" altLang="zh-CN" i="1" dirty="0" smtClean="0"/>
+              <a:t>adverb</a:t>
+            </a:r>
+            <a:endParaRPr kumimoji="1" lang="en-US" altLang="zh-CN" dirty="0"/>
           </a:p>
         </p:txBody>
       </p:sp>
     </p:spTree>
     <p:extLst>
       <p:ext uri="{BB962C8B-B14F-4D97-AF65-F5344CB8AC3E}">
-        <p14:creationId xmlns:p14="http://schemas.microsoft.com/office/powerpoint/2010/main" val="1634841051"/>
+        <p14:creationId xmlns:p14="http://schemas.microsoft.com/office/powerpoint/2010/main" val="2281661379"/>
       </p:ext>
     </p:extLst>
   </p:cSld>
@@ -6647,63 +5849,156 @@
           <a:chExt cx="0" cy="0"/>
         </a:xfrm>
       </p:grpSpPr>
-      <p:pic>
-        <p:nvPicPr>
-          <p:cNvPr id="4" name="内容占位符 3" descr="Screen Shot 2018-04-26 at 12.10.37 AM.png"/>
-          <p:cNvPicPr>
-            <a:picLocks noGrp="1" noChangeAspect="1"/>
-          </p:cNvPicPr>
+      <p:sp>
+        <p:nvSpPr>
+          <p:cNvPr id="2" name="内容占位符 1"/>
+          <p:cNvSpPr>
+            <a:spLocks noGrp="1"/>
+          </p:cNvSpPr>
           <p:nvPr>
             <p:ph idx="1"/>
           </p:nvPr>
-        </p:nvPicPr>
-        <p:blipFill>
-          <a:blip r:embed="rId2">
-            <a:extLst>
-              <a:ext uri="{28A0092B-C50C-407E-A947-70E740481C1C}">
-                <a14:useLocalDpi xmlns:a14="http://schemas.microsoft.com/office/drawing/2010/main" val="0"/>
-              </a:ext>
-            </a:extLst>
-          </a:blip>
-          <a:srcRect t="2596" b="2596"/>
-          <a:stretch>
-            <a:fillRect/>
-          </a:stretch>
-        </p:blipFill>
+        </p:nvSpPr>
+        <p:spPr/>
+        <p:txBody>
+          <a:bodyPr>
+            <a:normAutofit fontScale="92500" lnSpcReduction="20000"/>
+          </a:bodyPr>
+          <a:lstStyle/>
+          <a:p>
+            <a:r>
+              <a:rPr kumimoji="1" lang="en-US" altLang="zh-CN" dirty="0" smtClean="0"/>
+              <a:t>Sentence </a:t>
+            </a:r>
+            <a:r>
+              <a:rPr kumimoji="1" lang="en-US" altLang="zh-CN" dirty="0"/>
+              <a:t>score </a:t>
+            </a:r>
+            <a:r>
+              <a:rPr kumimoji="1" lang="en-US" altLang="zh-CN" dirty="0" smtClean="0"/>
+              <a:t>formulas</a:t>
+            </a:r>
+          </a:p>
+          <a:p>
+            <a:pPr lvl="1"/>
+            <a:r>
+              <a:rPr kumimoji="1" lang="en-US" altLang="zh-CN" dirty="0" smtClean="0"/>
+              <a:t>(frequency + title similarity) * position</a:t>
+            </a:r>
+          </a:p>
+          <a:p>
+            <a:pPr lvl="2"/>
+            <a:r>
+              <a:rPr kumimoji="1" lang="en-US" altLang="zh-CN" dirty="0" smtClean="0"/>
+              <a:t>Frequency score changes because of new </a:t>
+            </a:r>
+            <a:r>
+              <a:rPr kumimoji="1" lang="en-US" altLang="zh-CN" dirty="0" err="1" smtClean="0"/>
+              <a:t>word_dict</a:t>
+            </a:r>
+            <a:endParaRPr kumimoji="1" lang="en-US" altLang="zh-CN" dirty="0" smtClean="0"/>
+          </a:p>
+          <a:p>
+            <a:pPr lvl="2"/>
+            <a:r>
+              <a:rPr kumimoji="1" lang="en-US" altLang="zh-CN" dirty="0" smtClean="0"/>
+              <a:t>Use total frequency score instead of average frequency score</a:t>
+            </a:r>
+          </a:p>
+          <a:p>
+            <a:pPr lvl="2"/>
+            <a:r>
+              <a:rPr kumimoji="1" lang="en-US" altLang="zh-CN" dirty="0" smtClean="0"/>
+              <a:t>Title similarity score only map sentence with topic title (skip narrative)</a:t>
+            </a:r>
+          </a:p>
+          <a:p>
+            <a:pPr lvl="2"/>
+            <a:r>
+              <a:rPr kumimoji="1" lang="en-US" altLang="zh-CN" dirty="0" smtClean="0"/>
+              <a:t>Title similarity word weight change</a:t>
+            </a:r>
+          </a:p>
+          <a:p>
+            <a:pPr lvl="3"/>
+            <a:r>
+              <a:rPr kumimoji="1" lang="en-US" altLang="zh-CN" dirty="0" smtClean="0"/>
+              <a:t>from a random pick number to max word count in </a:t>
+            </a:r>
+            <a:r>
+              <a:rPr kumimoji="1" lang="en-US" altLang="zh-CN" dirty="0" err="1" smtClean="0"/>
+              <a:t>word_dict</a:t>
+            </a:r>
+            <a:endParaRPr kumimoji="1" lang="en-US" altLang="zh-CN" dirty="0" smtClean="0"/>
+          </a:p>
+          <a:p>
+            <a:pPr lvl="3"/>
+            <a:r>
+              <a:rPr kumimoji="1" lang="en-US" altLang="zh-CN" dirty="0" smtClean="0"/>
+              <a:t>Normalize for different document</a:t>
+            </a:r>
+          </a:p>
+          <a:p>
+            <a:pPr lvl="2"/>
+            <a:r>
+              <a:rPr kumimoji="1" lang="en-US" altLang="zh-CN" dirty="0" smtClean="0"/>
+              <a:t>Position score 1.5 -&gt; 1.2 </a:t>
+            </a:r>
+          </a:p>
+          <a:p>
+            <a:pPr lvl="3"/>
+            <a:r>
+              <a:rPr kumimoji="1" lang="en-US" altLang="zh-CN" dirty="0" smtClean="0"/>
+              <a:t>Reduce position sensitivity.</a:t>
+            </a:r>
+          </a:p>
+          <a:p>
+            <a:pPr lvl="3"/>
+            <a:r>
+              <a:rPr kumimoji="1" lang="en-US" altLang="zh-CN" dirty="0" smtClean="0"/>
+              <a:t>Question: last paragraph? Last sentence?</a:t>
+            </a:r>
+          </a:p>
+          <a:p>
+            <a:pPr lvl="2"/>
+            <a:r>
+              <a:rPr kumimoji="1" lang="en-US" altLang="zh-CN" dirty="0" smtClean="0"/>
+              <a:t>Cancel Cue Words weight</a:t>
+            </a:r>
+          </a:p>
+        </p:txBody>
+      </p:sp>
+      <p:sp>
+        <p:nvSpPr>
+          <p:cNvPr id="3" name="标题 2"/>
+          <p:cNvSpPr>
+            <a:spLocks noGrp="1"/>
+          </p:cNvSpPr>
+          <p:nvPr>
+            <p:ph type="title"/>
+          </p:nvPr>
+        </p:nvSpPr>
         <p:spPr>
           <a:xfrm>
-            <a:off x="698500" y="2247900"/>
-            <a:ext cx="7747000" cy="3878263"/>
+            <a:off x="688490" y="0"/>
+            <a:ext cx="7756263" cy="1624406"/>
           </a:xfrm>
         </p:spPr>
-      </p:pic>
-      <p:sp>
-        <p:nvSpPr>
-          <p:cNvPr id="3" name="标题 2"/>
-          <p:cNvSpPr>
-            <a:spLocks noGrp="1"/>
-          </p:cNvSpPr>
-          <p:nvPr>
-            <p:ph type="title"/>
-          </p:nvPr>
-        </p:nvSpPr>
-        <p:spPr/>
         <p:txBody>
           <a:bodyPr/>
           <a:lstStyle/>
           <a:p>
             <a:r>
               <a:rPr kumimoji="1" lang="en-US" altLang="zh-CN" dirty="0"/>
-              <a:t>Preprocessing</a:t>
-            </a:r>
-            <a:endParaRPr kumimoji="1" lang="zh-CN" altLang="en-US" dirty="0"/>
+              <a:t>Improvements in content selection</a:t>
+            </a:r>
           </a:p>
         </p:txBody>
       </p:sp>
     </p:spTree>
     <p:extLst>
       <p:ext uri="{BB962C8B-B14F-4D97-AF65-F5344CB8AC3E}">
-        <p14:creationId xmlns:p14="http://schemas.microsoft.com/office/powerpoint/2010/main" val="3755239781"/>
+        <p14:creationId xmlns:p14="http://schemas.microsoft.com/office/powerpoint/2010/main" val="2748391827"/>
       </p:ext>
     </p:extLst>
   </p:cSld>
@@ -6739,6 +6034,92 @@
       </p:grpSpPr>
       <p:sp>
         <p:nvSpPr>
+          <p:cNvPr id="2" name="内容占位符 1"/>
+          <p:cNvSpPr>
+            <a:spLocks noGrp="1"/>
+          </p:cNvSpPr>
+          <p:nvPr>
+            <p:ph idx="1"/>
+          </p:nvPr>
+        </p:nvSpPr>
+        <p:spPr/>
+        <p:txBody>
+          <a:bodyPr>
+            <a:normAutofit/>
+          </a:bodyPr>
+          <a:lstStyle/>
+          <a:p>
+            <a:r>
+              <a:rPr kumimoji="1" lang="en-US" altLang="zh-CN" dirty="0" smtClean="0"/>
+              <a:t>Sentence selection</a:t>
+            </a:r>
+          </a:p>
+          <a:p>
+            <a:pPr lvl="1"/>
+            <a:r>
+              <a:rPr kumimoji="1" lang="en-US" altLang="zh-CN" dirty="0" smtClean="0"/>
+              <a:t>Select the </a:t>
+            </a:r>
+            <a:r>
+              <a:rPr kumimoji="1" lang="en-US" altLang="zh-CN" dirty="0"/>
+              <a:t>h</a:t>
+            </a:r>
+            <a:r>
+              <a:rPr kumimoji="1" lang="en-US" altLang="zh-CN" dirty="0" smtClean="0"/>
+              <a:t>ighest score until reach 100 words</a:t>
+            </a:r>
+          </a:p>
+          <a:p>
+            <a:pPr lvl="1"/>
+            <a:endParaRPr kumimoji="1" lang="en-US" altLang="zh-CN" dirty="0"/>
+          </a:p>
+          <a:p>
+            <a:pPr lvl="1"/>
+            <a:r>
+              <a:rPr kumimoji="1" lang="en-US" altLang="zh-CN" dirty="0" smtClean="0"/>
+              <a:t>Tried approach:</a:t>
+            </a:r>
+          </a:p>
+          <a:p>
+            <a:pPr lvl="2"/>
+            <a:r>
+              <a:rPr kumimoji="1" lang="en-US" altLang="zh-CN" dirty="0" smtClean="0"/>
+              <a:t>Always select one more sentence after reach 100 words</a:t>
+            </a:r>
+          </a:p>
+          <a:p>
+            <a:pPr lvl="2"/>
+            <a:r>
+              <a:rPr kumimoji="1" lang="en-US" altLang="zh-CN" dirty="0" smtClean="0"/>
+              <a:t>In the content realization step, rewrite the summary into 100 words by removing JJ or PP</a:t>
+            </a:r>
+          </a:p>
+          <a:p>
+            <a:pPr lvl="1"/>
+            <a:r>
+              <a:rPr kumimoji="1" lang="en-US" altLang="zh-CN" dirty="0" smtClean="0"/>
+              <a:t>Future approach:</a:t>
+            </a:r>
+          </a:p>
+          <a:p>
+            <a:pPr lvl="2"/>
+            <a:r>
+              <a:rPr kumimoji="1" lang="en-US" altLang="zh-CN" dirty="0" smtClean="0"/>
+              <a:t>Use document clustering, select one top sentence for each cluster.</a:t>
+            </a:r>
+          </a:p>
+          <a:p>
+            <a:pPr lvl="1"/>
+            <a:endParaRPr kumimoji="1" lang="en-US" altLang="zh-CN" dirty="0" smtClean="0"/>
+          </a:p>
+          <a:p>
+            <a:pPr lvl="1"/>
+            <a:endParaRPr kumimoji="1" lang="en-US" altLang="zh-CN" dirty="0" smtClean="0"/>
+          </a:p>
+        </p:txBody>
+      </p:sp>
+      <p:sp>
+        <p:nvSpPr>
           <p:cNvPr id="3" name="标题 2"/>
           <p:cNvSpPr>
             <a:spLocks noGrp="1"/>
@@ -6747,53 +6128,27 @@
             <p:ph type="title"/>
           </p:nvPr>
         </p:nvSpPr>
-        <p:spPr/>
+        <p:spPr>
+          <a:xfrm>
+            <a:off x="688490" y="0"/>
+            <a:ext cx="7756263" cy="1624406"/>
+          </a:xfrm>
+        </p:spPr>
         <p:txBody>
           <a:bodyPr/>
           <a:lstStyle/>
           <a:p>
             <a:r>
               <a:rPr kumimoji="1" lang="en-US" altLang="zh-CN" dirty="0"/>
-              <a:t>Preprocessing</a:t>
-            </a:r>
-            <a:endParaRPr kumimoji="1" lang="zh-CN" altLang="en-US" dirty="0"/>
-          </a:p>
-        </p:txBody>
-      </p:sp>
-      <p:pic>
-        <p:nvPicPr>
-          <p:cNvPr id="6" name="内容占位符 5" descr="Screen Shot 2018-04-26 at 12.16.22 AM.png"/>
-          <p:cNvPicPr>
-            <a:picLocks noGrp="1" noChangeAspect="1"/>
-          </p:cNvPicPr>
-          <p:nvPr>
-            <p:ph idx="1"/>
-          </p:nvPr>
-        </p:nvPicPr>
-        <p:blipFill>
-          <a:blip r:embed="rId2">
-            <a:extLst>
-              <a:ext uri="{28A0092B-C50C-407E-A947-70E740481C1C}">
-                <a14:useLocalDpi xmlns:a14="http://schemas.microsoft.com/office/drawing/2010/main" val="0"/>
-              </a:ext>
-            </a:extLst>
-          </a:blip>
-          <a:srcRect l="-17642" r="-17642"/>
-          <a:stretch>
-            <a:fillRect/>
-          </a:stretch>
-        </p:blipFill>
-        <p:spPr>
-          <a:xfrm>
-            <a:off x="698500" y="2247900"/>
-            <a:ext cx="7747000" cy="3878263"/>
-          </a:xfrm>
-        </p:spPr>
-      </p:pic>
+              <a:t>Improvements in content selection</a:t>
+            </a:r>
+          </a:p>
+        </p:txBody>
+      </p:sp>
     </p:spTree>
     <p:extLst>
       <p:ext uri="{BB962C8B-B14F-4D97-AF65-F5344CB8AC3E}">
-        <p14:creationId xmlns:p14="http://schemas.microsoft.com/office/powerpoint/2010/main" val="1360868259"/>
+        <p14:creationId xmlns:p14="http://schemas.microsoft.com/office/powerpoint/2010/main" val="2300952010"/>
       </p:ext>
     </p:extLst>
   </p:cSld>
@@ -6829,6 +6184,33 @@
       </p:grpSpPr>
       <p:sp>
         <p:nvSpPr>
+          <p:cNvPr id="3" name="标题 2"/>
+          <p:cNvSpPr>
+            <a:spLocks noGrp="1"/>
+          </p:cNvSpPr>
+          <p:nvPr>
+            <p:ph type="title"/>
+          </p:nvPr>
+        </p:nvSpPr>
+        <p:spPr/>
+        <p:txBody>
+          <a:bodyPr/>
+          <a:lstStyle/>
+          <a:p>
+            <a:r>
+              <a:rPr kumimoji="1" lang="en-US" altLang="zh-CN" dirty="0"/>
+              <a:t>Information </a:t>
+            </a:r>
+            <a:r>
+              <a:rPr kumimoji="1" lang="en-US" altLang="zh-CN" dirty="0" smtClean="0"/>
+              <a:t>ordering</a:t>
+            </a:r>
+            <a:endParaRPr kumimoji="1" lang="zh-CN" altLang="en-US" dirty="0"/>
+          </a:p>
+        </p:txBody>
+      </p:sp>
+      <p:sp>
+        <p:nvSpPr>
           <p:cNvPr id="2" name="内容占位符 1"/>
           <p:cNvSpPr>
             <a:spLocks noGrp="1"/>
@@ -6840,125 +6222,106 @@
         <p:spPr/>
         <p:txBody>
           <a:bodyPr>
-            <a:normAutofit fontScale="85000" lnSpcReduction="20000"/>
+            <a:normAutofit lnSpcReduction="10000"/>
           </a:bodyPr>
           <a:lstStyle/>
           <a:p>
             <a:r>
               <a:rPr kumimoji="1" lang="en-US" altLang="zh-CN" dirty="0" smtClean="0"/>
-              <a:t>Frequency</a:t>
+              <a:t>Chronological Expert</a:t>
             </a:r>
           </a:p>
           <a:p>
             <a:pPr lvl="1"/>
             <a:r>
               <a:rPr kumimoji="1" lang="en-US" altLang="zh-CN" dirty="0" smtClean="0"/>
-              <a:t> long sentence vs. short sentences</a:t>
+              <a:t>Sentence from different document</a:t>
+            </a:r>
+          </a:p>
+          <a:p>
+            <a:pPr lvl="2"/>
+            <a:r>
+              <a:rPr kumimoji="1" lang="en-US" altLang="zh-CN" dirty="0" smtClean="0"/>
+              <a:t>Order by document timestamp</a:t>
             </a:r>
           </a:p>
           <a:p>
             <a:pPr lvl="1"/>
             <a:r>
               <a:rPr kumimoji="1" lang="en-US" altLang="zh-CN" dirty="0" smtClean="0"/>
-              <a:t>THE sentences</a:t>
-            </a:r>
-          </a:p>
-          <a:p>
-            <a:pPr marL="0" indent="0">
-              <a:buNone/>
-            </a:pPr>
+              <a:t>Sentence from same document</a:t>
+            </a:r>
+          </a:p>
+          <a:p>
+            <a:pPr lvl="2"/>
+            <a:r>
+              <a:rPr kumimoji="1" lang="en-US" altLang="zh-CN" dirty="0" smtClean="0"/>
+              <a:t>Order by order within document</a:t>
+            </a:r>
+          </a:p>
+          <a:p>
             <a:endParaRPr kumimoji="1" lang="en-US" altLang="zh-CN" dirty="0"/>
           </a:p>
           <a:p>
             <a:r>
               <a:rPr kumimoji="1" lang="en-US" altLang="zh-CN" dirty="0" smtClean="0"/>
-              <a:t>Sentence </a:t>
-            </a:r>
+              <a:t>Implementation</a:t>
+            </a:r>
+          </a:p>
+          <a:p>
+            <a:pPr lvl="1"/>
             <a:r>
               <a:rPr kumimoji="1" lang="en-US" altLang="zh-CN" dirty="0" smtClean="0"/>
-              <a:t>position</a:t>
-            </a:r>
-          </a:p>
-          <a:p>
-            <a:pPr marL="731520" lvl="2"/>
-            <a:r>
-              <a:rPr kumimoji="1" lang="en-US" altLang="zh-CN" dirty="0"/>
-              <a:t>Weight of the </a:t>
-            </a:r>
+              <a:t>Create a position tag in each sentence </a:t>
+            </a:r>
+          </a:p>
+          <a:p>
+            <a:pPr lvl="2"/>
             <a:r>
               <a:rPr kumimoji="1" lang="en-US" altLang="zh-CN" dirty="0" smtClean="0"/>
-              <a:t>doc</a:t>
-            </a:r>
-          </a:p>
-          <a:p>
-            <a:pPr marL="731520" lvl="2"/>
+              <a:t>[</a:t>
+            </a:r>
+            <a:r>
+              <a:rPr kumimoji="1" lang="en-US" altLang="zh-CN" dirty="0" err="1" smtClean="0"/>
+              <a:t>doc_index</a:t>
+            </a:r>
             <a:r>
               <a:rPr kumimoji="1" lang="en-US" altLang="zh-CN" dirty="0" smtClean="0"/>
-              <a:t>Paragraph </a:t>
-            </a:r>
-          </a:p>
-          <a:p>
-            <a:pPr marL="731520" lvl="2"/>
+              <a:t>, </a:t>
+            </a:r>
+            <a:r>
+              <a:rPr kumimoji="1" lang="en-US" altLang="zh-CN" dirty="0" err="1" smtClean="0"/>
+              <a:t>paragraph_index</a:t>
+            </a:r>
             <a:r>
               <a:rPr kumimoji="1" lang="en-US" altLang="zh-CN" dirty="0" smtClean="0"/>
-              <a:t>Line </a:t>
-            </a:r>
-            <a:endParaRPr kumimoji="1" lang="zh-CN" altLang="en-US" dirty="0"/>
-          </a:p>
-          <a:p>
-            <a:pPr marL="0" indent="0">
-              <a:buNone/>
-            </a:pPr>
-            <a:endParaRPr kumimoji="1" lang="en-US" altLang="zh-CN" dirty="0"/>
-          </a:p>
-          <a:p>
+              <a:t>, </a:t>
+            </a:r>
+            <a:r>
+              <a:rPr kumimoji="1" lang="en-US" altLang="zh-CN" dirty="0" err="1" smtClean="0"/>
+              <a:t>line_index</a:t>
+            </a:r>
             <a:r>
               <a:rPr kumimoji="1" lang="en-US" altLang="zh-CN" dirty="0" smtClean="0"/>
-              <a:t>Cue words</a:t>
-            </a:r>
-          </a:p>
-          <a:p>
-            <a:endParaRPr kumimoji="1" lang="en-US" altLang="zh-CN" dirty="0"/>
-          </a:p>
-          <a:p>
+              <a:t>]</a:t>
+            </a:r>
+          </a:p>
+          <a:p>
+            <a:pPr lvl="2"/>
             <a:r>
               <a:rPr kumimoji="1" lang="en-US" altLang="zh-CN" dirty="0" smtClean="0"/>
-              <a:t>Similarity with the </a:t>
+              <a:t>Sort </a:t>
+            </a:r>
+            <a:r>
+              <a:rPr kumimoji="1" lang="en-US" altLang="zh-CN" dirty="0" err="1" smtClean="0"/>
+              <a:t>seleceted_sentences</a:t>
             </a:r>
             <a:r>
               <a:rPr kumimoji="1" lang="en-US" altLang="zh-CN" dirty="0" smtClean="0"/>
-              <a:t>title</a:t>
-            </a:r>
-          </a:p>
-          <a:p>
-            <a:pPr lvl="1"/>
-            <a:r>
-              <a:rPr kumimoji="1" lang="en-US" altLang="zh-CN" dirty="0" smtClean="0"/>
-              <a:t>Weight of the sentence</a:t>
-            </a:r>
-            <a:endParaRPr kumimoji="1" lang="en-US" altLang="zh-CN" dirty="0" smtClean="0"/>
-          </a:p>
-        </p:txBody>
-      </p:sp>
-      <p:sp>
-        <p:nvSpPr>
-          <p:cNvPr id="3" name="标题 2"/>
-          <p:cNvSpPr>
-            <a:spLocks noGrp="1"/>
-          </p:cNvSpPr>
-          <p:nvPr>
-            <p:ph type="title"/>
-          </p:nvPr>
-        </p:nvSpPr>
-        <p:spPr/>
-        <p:txBody>
-          <a:bodyPr/>
-          <a:lstStyle/>
-          <a:p>
-            <a:r>
-              <a:rPr kumimoji="1" lang="en-US" altLang="zh-CN" dirty="0" smtClean="0"/>
-              <a:t>Features</a:t>
-            </a:r>
+              <a:t> by this position tag</a:t>
+            </a:r>
+          </a:p>
+          <a:p>
             <a:endParaRPr kumimoji="1" lang="zh-CN" altLang="en-US" dirty="0"/>
           </a:p>
         </p:txBody>
@@ -6966,7 +6329,7 @@
     </p:spTree>
     <p:extLst>
       <p:ext uri="{BB962C8B-B14F-4D97-AF65-F5344CB8AC3E}">
-        <p14:creationId xmlns:p14="http://schemas.microsoft.com/office/powerpoint/2010/main" val="2045028837"/>
+        <p14:creationId xmlns:p14="http://schemas.microsoft.com/office/powerpoint/2010/main" val="3755239781"/>
       </p:ext>
     </p:extLst>
   </p:cSld>
@@ -7016,47 +6379,1073 @@
           <a:lstStyle/>
           <a:p>
             <a:r>
+              <a:rPr kumimoji="1" lang="en-US" altLang="zh-CN" dirty="0"/>
+              <a:t>S</a:t>
+            </a:r>
+            <a:r>
               <a:rPr kumimoji="1" lang="en-US" altLang="zh-CN" dirty="0" smtClean="0"/>
-              <a:t>Features</a:t>
+              <a:t>uccesses</a:t>
             </a:r>
             <a:endParaRPr kumimoji="1" lang="zh-CN" altLang="en-US" dirty="0"/>
           </a:p>
         </p:txBody>
       </p:sp>
-      <p:pic>
-        <p:nvPicPr>
-          <p:cNvPr id="5" name="内容占位符 4" descr="Screen Shot 2018-04-26 at 12.25.11 AM.png"/>
-          <p:cNvPicPr>
-            <a:picLocks noGrp="1" noChangeAspect="1"/>
-          </p:cNvPicPr>
+      <p:graphicFrame>
+        <p:nvGraphicFramePr>
+          <p:cNvPr id="4" name="内容占位符 3"/>
+          <p:cNvGraphicFramePr>
+            <a:graphicFrameLocks noGrp="1"/>
+          </p:cNvGraphicFramePr>
           <p:nvPr>
             <p:ph idx="1"/>
-          </p:nvPr>
-        </p:nvPicPr>
-        <p:blipFill>
-          <a:blip r:embed="rId2">
-            <a:extLst>
-              <a:ext uri="{28A0092B-C50C-407E-A947-70E740481C1C}">
-                <a14:useLocalDpi xmlns:a14="http://schemas.microsoft.com/office/drawing/2010/main" val="0"/>
-              </a:ext>
-            </a:extLst>
-          </a:blip>
-          <a:srcRect t="-104170" b="-104170"/>
-          <a:stretch>
-            <a:fillRect/>
-          </a:stretch>
-        </p:blipFill>
+            <p:extLst>
+              <p:ext uri="{D42A27DB-BD31-4B8C-83A1-F6EECF244321}">
+                <p14:modId xmlns:p14="http://schemas.microsoft.com/office/powerpoint/2010/main" val="876490246"/>
+              </p:ext>
+            </p:extLst>
+          </p:nvPr>
+        </p:nvGraphicFramePr>
+        <p:xfrm>
+          <a:off x="698500" y="3153300"/>
+          <a:ext cx="3149600" cy="1854200"/>
+        </p:xfrm>
+        <a:graphic>
+          <a:graphicData uri="http://schemas.openxmlformats.org/drawingml/2006/table">
+            <a:tbl>
+              <a:tblPr firstRow="1" bandRow="1">
+                <a:tableStyleId>{5C22544A-7EE6-4342-B048-85BDC9FD1C3A}</a:tableStyleId>
+              </a:tblPr>
+              <a:tblGrid>
+                <a:gridCol w="787400"/>
+                <a:gridCol w="787400"/>
+                <a:gridCol w="787400"/>
+                <a:gridCol w="787400"/>
+              </a:tblGrid>
+              <a:tr h="370840">
+                <a:tc>
+                  <a:txBody>
+                    <a:bodyPr/>
+                    <a:lstStyle/>
+                    <a:p>
+                      <a:pPr algn="ctr" fontAlgn="ctr"/>
+                      <a:endParaRPr lang="zh-CN" altLang="en-US" sz="1200" b="0" i="0" u="none" strike="noStrike" dirty="0">
+                        <a:solidFill>
+                          <a:srgbClr val="000000"/>
+                        </a:solidFill>
+                        <a:effectLst/>
+                        <a:latin typeface="宋体"/>
+                      </a:endParaRPr>
+                    </a:p>
+                  </a:txBody>
+                  <a:tcPr marL="12700" marR="12700" marT="12700" marB="0" anchor="b"/>
+                </a:tc>
+                <a:tc>
+                  <a:txBody>
+                    <a:bodyPr/>
+                    <a:lstStyle/>
+                    <a:p>
+                      <a:pPr algn="ctr" fontAlgn="ctr"/>
+                      <a:r>
+                        <a:rPr lang="mr-IN" sz="1200" b="0" i="0" u="none" strike="noStrike" dirty="0">
+                          <a:solidFill>
+                            <a:srgbClr val="000000"/>
+                          </a:solidFill>
+                          <a:effectLst/>
+                          <a:latin typeface="宋体"/>
+                        </a:rPr>
+                        <a:t>R(%)</a:t>
+                      </a:r>
+                    </a:p>
+                  </a:txBody>
+                  <a:tcPr marL="12700" marR="12700" marT="12700" marB="0" anchor="b"/>
+                </a:tc>
+                <a:tc>
+                  <a:txBody>
+                    <a:bodyPr/>
+                    <a:lstStyle/>
+                    <a:p>
+                      <a:pPr algn="ctr" fontAlgn="ctr"/>
+                      <a:r>
+                        <a:rPr lang="mr-IN" sz="1200" b="0" i="0" u="none" strike="noStrike" dirty="0">
+                          <a:solidFill>
+                            <a:srgbClr val="000000"/>
+                          </a:solidFill>
+                          <a:effectLst/>
+                          <a:latin typeface="宋体"/>
+                        </a:rPr>
+                        <a:t>P(%)</a:t>
+                      </a:r>
+                    </a:p>
+                  </a:txBody>
+                  <a:tcPr marL="12700" marR="12700" marT="12700" marB="0" anchor="b"/>
+                </a:tc>
+                <a:tc>
+                  <a:txBody>
+                    <a:bodyPr/>
+                    <a:lstStyle/>
+                    <a:p>
+                      <a:pPr algn="ctr" fontAlgn="ctr"/>
+                      <a:r>
+                        <a:rPr lang="mr-IN" sz="1200" b="0" i="0" u="none" strike="noStrike">
+                          <a:solidFill>
+                            <a:srgbClr val="000000"/>
+                          </a:solidFill>
+                          <a:effectLst/>
+                          <a:latin typeface="宋体"/>
+                        </a:rPr>
+                        <a:t>F(%)</a:t>
+                      </a:r>
+                    </a:p>
+                  </a:txBody>
+                  <a:tcPr marL="12700" marR="12700" marT="12700" marB="0" anchor="b"/>
+                </a:tc>
+              </a:tr>
+              <a:tr h="370840">
+                <a:tc>
+                  <a:txBody>
+                    <a:bodyPr/>
+                    <a:lstStyle/>
+                    <a:p>
+                      <a:pPr algn="ctr" fontAlgn="ctr"/>
+                      <a:r>
+                        <a:rPr lang="en-US" sz="1200" b="0" i="0" u="none" strike="noStrike">
+                          <a:solidFill>
+                            <a:srgbClr val="000000"/>
+                          </a:solidFill>
+                          <a:effectLst/>
+                          <a:latin typeface="宋体"/>
+                        </a:rPr>
+                        <a:t>ROUGE-1</a:t>
+                      </a:r>
+                    </a:p>
+                  </a:txBody>
+                  <a:tcPr marL="12700" marR="12700" marT="12700" marB="0" anchor="b"/>
+                </a:tc>
+                <a:tc>
+                  <a:txBody>
+                    <a:bodyPr/>
+                    <a:lstStyle/>
+                    <a:p>
+                      <a:pPr algn="ctr" fontAlgn="ctr"/>
+                      <a:r>
+                        <a:rPr lang="nb-NO" sz="1200" b="0" i="0" u="none" strike="noStrike">
+                          <a:solidFill>
+                            <a:srgbClr val="000000"/>
+                          </a:solidFill>
+                          <a:effectLst/>
+                          <a:latin typeface="宋体"/>
+                        </a:rPr>
+                        <a:t>17.026</a:t>
+                      </a:r>
+                    </a:p>
+                  </a:txBody>
+                  <a:tcPr marL="12700" marR="12700" marT="12700" marB="0" anchor="b"/>
+                </a:tc>
+                <a:tc>
+                  <a:txBody>
+                    <a:bodyPr/>
+                    <a:lstStyle/>
+                    <a:p>
+                      <a:pPr algn="ctr" fontAlgn="ctr"/>
+                      <a:r>
+                        <a:rPr lang="hr-HR" sz="1200" b="0" i="0" u="none" strike="noStrike">
+                          <a:solidFill>
+                            <a:srgbClr val="000000"/>
+                          </a:solidFill>
+                          <a:effectLst/>
+                          <a:latin typeface="宋体"/>
+                        </a:rPr>
+                        <a:t>24.534</a:t>
+                      </a:r>
+                    </a:p>
+                  </a:txBody>
+                  <a:tcPr marL="12700" marR="12700" marT="12700" marB="0" anchor="b"/>
+                </a:tc>
+                <a:tc>
+                  <a:txBody>
+                    <a:bodyPr/>
+                    <a:lstStyle/>
+                    <a:p>
+                      <a:pPr algn="ctr" fontAlgn="ctr"/>
+                      <a:r>
+                        <a:rPr lang="hr-HR" sz="1200" b="0" i="0" u="none" strike="noStrike" dirty="0">
+                          <a:solidFill>
+                            <a:srgbClr val="000000"/>
+                          </a:solidFill>
+                          <a:effectLst/>
+                          <a:latin typeface="宋体"/>
+                        </a:rPr>
+                        <a:t>19.931</a:t>
+                      </a:r>
+                    </a:p>
+                  </a:txBody>
+                  <a:tcPr marL="12700" marR="12700" marT="12700" marB="0" anchor="b"/>
+                </a:tc>
+              </a:tr>
+              <a:tr h="370840">
+                <a:tc>
+                  <a:txBody>
+                    <a:bodyPr/>
+                    <a:lstStyle/>
+                    <a:p>
+                      <a:pPr algn="ctr" fontAlgn="ctr"/>
+                      <a:r>
+                        <a:rPr lang="en-US" sz="1200" b="0" i="0" u="none" strike="noStrike">
+                          <a:solidFill>
+                            <a:srgbClr val="000000"/>
+                          </a:solidFill>
+                          <a:effectLst/>
+                          <a:latin typeface="宋体"/>
+                        </a:rPr>
+                        <a:t>ROUGE-2</a:t>
+                      </a:r>
+                    </a:p>
+                  </a:txBody>
+                  <a:tcPr marL="12700" marR="12700" marT="12700" marB="0" anchor="b"/>
+                </a:tc>
+                <a:tc>
+                  <a:txBody>
+                    <a:bodyPr/>
+                    <a:lstStyle/>
+                    <a:p>
+                      <a:pPr algn="ctr" fontAlgn="ctr"/>
+                      <a:r>
+                        <a:rPr lang="hr-HR" sz="1200" b="0" i="0" u="none" strike="noStrike">
+                          <a:solidFill>
+                            <a:srgbClr val="000000"/>
+                          </a:solidFill>
+                          <a:effectLst/>
+                          <a:latin typeface="宋体"/>
+                        </a:rPr>
+                        <a:t>4.88</a:t>
+                      </a:r>
+                    </a:p>
+                  </a:txBody>
+                  <a:tcPr marL="12700" marR="12700" marT="12700" marB="0" anchor="b"/>
+                </a:tc>
+                <a:tc>
+                  <a:txBody>
+                    <a:bodyPr/>
+                    <a:lstStyle/>
+                    <a:p>
+                      <a:pPr algn="ctr" fontAlgn="ctr"/>
+                      <a:r>
+                        <a:rPr lang="hr-HR" sz="1200" b="0" i="0" u="none" strike="noStrike">
+                          <a:solidFill>
+                            <a:srgbClr val="000000"/>
+                          </a:solidFill>
+                          <a:effectLst/>
+                          <a:latin typeface="宋体"/>
+                        </a:rPr>
+                        <a:t>7.093</a:t>
+                      </a:r>
+                    </a:p>
+                  </a:txBody>
+                  <a:tcPr marL="12700" marR="12700" marT="12700" marB="0" anchor="b"/>
+                </a:tc>
+                <a:tc>
+                  <a:txBody>
+                    <a:bodyPr/>
+                    <a:lstStyle/>
+                    <a:p>
+                      <a:pPr algn="ctr" fontAlgn="ctr"/>
+                      <a:r>
+                        <a:rPr lang="nb-NO" sz="1200" b="0" i="0" u="none" strike="noStrike">
+                          <a:solidFill>
+                            <a:srgbClr val="000000"/>
+                          </a:solidFill>
+                          <a:effectLst/>
+                          <a:latin typeface="宋体"/>
+                        </a:rPr>
+                        <a:t>5.73</a:t>
+                      </a:r>
+                    </a:p>
+                  </a:txBody>
+                  <a:tcPr marL="12700" marR="12700" marT="12700" marB="0" anchor="b"/>
+                </a:tc>
+              </a:tr>
+              <a:tr h="370840">
+                <a:tc>
+                  <a:txBody>
+                    <a:bodyPr/>
+                    <a:lstStyle/>
+                    <a:p>
+                      <a:pPr algn="ctr" fontAlgn="ctr"/>
+                      <a:r>
+                        <a:rPr lang="en-US" sz="1200" b="0" i="0" u="none" strike="noStrike">
+                          <a:solidFill>
+                            <a:srgbClr val="000000"/>
+                          </a:solidFill>
+                          <a:effectLst/>
+                          <a:latin typeface="宋体"/>
+                        </a:rPr>
+                        <a:t>ROUGE-3</a:t>
+                      </a:r>
+                    </a:p>
+                  </a:txBody>
+                  <a:tcPr marL="12700" marR="12700" marT="12700" marB="0" anchor="b"/>
+                </a:tc>
+                <a:tc>
+                  <a:txBody>
+                    <a:bodyPr/>
+                    <a:lstStyle/>
+                    <a:p>
+                      <a:pPr algn="ctr" fontAlgn="ctr"/>
+                      <a:r>
+                        <a:rPr lang="nb-NO" sz="1200" b="0" i="0" u="none" strike="noStrike">
+                          <a:solidFill>
+                            <a:srgbClr val="000000"/>
+                          </a:solidFill>
+                          <a:effectLst/>
+                          <a:latin typeface="宋体"/>
+                        </a:rPr>
+                        <a:t>1.762</a:t>
+                      </a:r>
+                    </a:p>
+                  </a:txBody>
+                  <a:tcPr marL="12700" marR="12700" marT="12700" marB="0" anchor="b"/>
+                </a:tc>
+                <a:tc>
+                  <a:txBody>
+                    <a:bodyPr/>
+                    <a:lstStyle/>
+                    <a:p>
+                      <a:pPr algn="ctr" fontAlgn="ctr"/>
+                      <a:r>
+                        <a:rPr lang="hr-HR" sz="1200" b="0" i="0" u="none" strike="noStrike">
+                          <a:solidFill>
+                            <a:srgbClr val="000000"/>
+                          </a:solidFill>
+                          <a:effectLst/>
+                          <a:latin typeface="宋体"/>
+                        </a:rPr>
+                        <a:t>2.639</a:t>
+                      </a:r>
+                    </a:p>
+                  </a:txBody>
+                  <a:tcPr marL="12700" marR="12700" marT="12700" marB="0" anchor="b"/>
+                </a:tc>
+                <a:tc>
+                  <a:txBody>
+                    <a:bodyPr/>
+                    <a:lstStyle/>
+                    <a:p>
+                      <a:pPr algn="ctr" fontAlgn="ctr"/>
+                      <a:r>
+                        <a:rPr lang="hr-HR" sz="1200" b="0" i="0" u="none" strike="noStrike">
+                          <a:solidFill>
+                            <a:srgbClr val="000000"/>
+                          </a:solidFill>
+                          <a:effectLst/>
+                          <a:latin typeface="宋体"/>
+                        </a:rPr>
+                        <a:t>2.092</a:t>
+                      </a:r>
+                    </a:p>
+                  </a:txBody>
+                  <a:tcPr marL="12700" marR="12700" marT="12700" marB="0" anchor="b"/>
+                </a:tc>
+              </a:tr>
+              <a:tr h="370840">
+                <a:tc>
+                  <a:txBody>
+                    <a:bodyPr/>
+                    <a:lstStyle/>
+                    <a:p>
+                      <a:pPr algn="ctr" fontAlgn="ctr"/>
+                      <a:r>
+                        <a:rPr lang="en-US" sz="1200" b="0" i="0" u="none" strike="noStrike" dirty="0">
+                          <a:solidFill>
+                            <a:srgbClr val="000000"/>
+                          </a:solidFill>
+                          <a:effectLst/>
+                          <a:latin typeface="宋体"/>
+                        </a:rPr>
+                        <a:t>ROUGE-4</a:t>
+                      </a:r>
+                    </a:p>
+                  </a:txBody>
+                  <a:tcPr marL="12700" marR="12700" marT="12700" marB="0" anchor="b"/>
+                </a:tc>
+                <a:tc>
+                  <a:txBody>
+                    <a:bodyPr/>
+                    <a:lstStyle/>
+                    <a:p>
+                      <a:pPr algn="ctr" fontAlgn="ctr"/>
+                      <a:r>
+                        <a:rPr lang="nb-NO" sz="1200" b="0" i="0" u="none" strike="noStrike">
+                          <a:solidFill>
+                            <a:srgbClr val="000000"/>
+                          </a:solidFill>
+                          <a:effectLst/>
+                          <a:latin typeface="宋体"/>
+                        </a:rPr>
+                        <a:t>0.655</a:t>
+                      </a:r>
+                    </a:p>
+                  </a:txBody>
+                  <a:tcPr marL="12700" marR="12700" marT="12700" marB="0" anchor="b"/>
+                </a:tc>
+                <a:tc>
+                  <a:txBody>
+                    <a:bodyPr/>
+                    <a:lstStyle/>
+                    <a:p>
+                      <a:pPr algn="ctr" fontAlgn="ctr"/>
+                      <a:r>
+                        <a:rPr lang="hr-HR" sz="1200" b="0" i="0" u="none" strike="noStrike">
+                          <a:solidFill>
+                            <a:srgbClr val="000000"/>
+                          </a:solidFill>
+                          <a:effectLst/>
+                          <a:latin typeface="宋体"/>
+                        </a:rPr>
+                        <a:t>1.011</a:t>
+                      </a:r>
+                    </a:p>
+                  </a:txBody>
+                  <a:tcPr marL="12700" marR="12700" marT="12700" marB="0" anchor="b"/>
+                </a:tc>
+                <a:tc>
+                  <a:txBody>
+                    <a:bodyPr/>
+                    <a:lstStyle/>
+                    <a:p>
+                      <a:pPr algn="ctr" fontAlgn="ctr"/>
+                      <a:r>
+                        <a:rPr lang="is-IS" sz="1200" b="0" i="0" u="none" strike="noStrike" dirty="0" smtClean="0">
+                          <a:solidFill>
+                            <a:srgbClr val="000000"/>
+                          </a:solidFill>
+                          <a:effectLst/>
+                          <a:latin typeface="宋体"/>
+                        </a:rPr>
+                        <a:t>0.788</a:t>
+                      </a:r>
+                      <a:endParaRPr lang="is-IS" sz="1200" b="0" i="0" u="none" strike="noStrike" dirty="0">
+                        <a:solidFill>
+                          <a:srgbClr val="000000"/>
+                        </a:solidFill>
+                        <a:effectLst/>
+                        <a:latin typeface="宋体"/>
+                      </a:endParaRPr>
+                    </a:p>
+                  </a:txBody>
+                  <a:tcPr marL="12700" marR="12700" marT="12700" marB="0" anchor="b"/>
+                </a:tc>
+              </a:tr>
+            </a:tbl>
+          </a:graphicData>
+        </a:graphic>
+      </p:graphicFrame>
+      <p:graphicFrame>
+        <p:nvGraphicFramePr>
+          <p:cNvPr id="7" name="内容占位符 3"/>
+          <p:cNvGraphicFramePr>
+            <a:graphicFrameLocks/>
+          </p:cNvGraphicFramePr>
+          <p:nvPr>
+            <p:extLst>
+              <p:ext uri="{D42A27DB-BD31-4B8C-83A1-F6EECF244321}">
+                <p14:modId xmlns:p14="http://schemas.microsoft.com/office/powerpoint/2010/main" val="3902856930"/>
+              </p:ext>
+            </p:extLst>
+          </p:nvPr>
+        </p:nvGraphicFramePr>
+        <p:xfrm>
+          <a:off x="5295153" y="3153300"/>
+          <a:ext cx="3149600" cy="1854200"/>
+        </p:xfrm>
+        <a:graphic>
+          <a:graphicData uri="http://schemas.openxmlformats.org/drawingml/2006/table">
+            <a:tbl>
+              <a:tblPr firstRow="1" bandRow="1">
+                <a:tableStyleId>{5C22544A-7EE6-4342-B048-85BDC9FD1C3A}</a:tableStyleId>
+              </a:tblPr>
+              <a:tblGrid>
+                <a:gridCol w="787400"/>
+                <a:gridCol w="787400"/>
+                <a:gridCol w="787400"/>
+                <a:gridCol w="787400"/>
+              </a:tblGrid>
+              <a:tr h="370840">
+                <a:tc>
+                  <a:txBody>
+                    <a:bodyPr/>
+                    <a:lstStyle/>
+                    <a:p>
+                      <a:pPr algn="ctr" fontAlgn="ctr"/>
+                      <a:endParaRPr lang="zh-CN" altLang="en-US" sz="1200" b="0" i="0" u="none" strike="noStrike" dirty="0">
+                        <a:solidFill>
+                          <a:srgbClr val="000000"/>
+                        </a:solidFill>
+                        <a:effectLst/>
+                        <a:latin typeface="宋体"/>
+                      </a:endParaRPr>
+                    </a:p>
+                  </a:txBody>
+                  <a:tcPr marL="12700" marR="12700" marT="12700" marB="0" anchor="b"/>
+                </a:tc>
+                <a:tc>
+                  <a:txBody>
+                    <a:bodyPr/>
+                    <a:lstStyle/>
+                    <a:p>
+                      <a:pPr algn="ctr" fontAlgn="ctr"/>
+                      <a:r>
+                        <a:rPr lang="mr-IN" sz="1200" b="0" i="0" u="none" strike="noStrike">
+                          <a:solidFill>
+                            <a:srgbClr val="000000"/>
+                          </a:solidFill>
+                          <a:effectLst/>
+                          <a:latin typeface="宋体"/>
+                        </a:rPr>
+                        <a:t>R(%)</a:t>
+                      </a:r>
+                    </a:p>
+                  </a:txBody>
+                  <a:tcPr marL="12700" marR="12700" marT="12700" marB="0" anchor="b"/>
+                </a:tc>
+                <a:tc>
+                  <a:txBody>
+                    <a:bodyPr/>
+                    <a:lstStyle/>
+                    <a:p>
+                      <a:pPr algn="ctr" fontAlgn="ctr"/>
+                      <a:r>
+                        <a:rPr lang="mr-IN" sz="1200" b="0" i="0" u="none" strike="noStrike">
+                          <a:solidFill>
+                            <a:srgbClr val="000000"/>
+                          </a:solidFill>
+                          <a:effectLst/>
+                          <a:latin typeface="宋体"/>
+                        </a:rPr>
+                        <a:t>P(%)</a:t>
+                      </a:r>
+                    </a:p>
+                  </a:txBody>
+                  <a:tcPr marL="12700" marR="12700" marT="12700" marB="0" anchor="b"/>
+                </a:tc>
+                <a:tc>
+                  <a:txBody>
+                    <a:bodyPr/>
+                    <a:lstStyle/>
+                    <a:p>
+                      <a:pPr algn="ctr" fontAlgn="ctr"/>
+                      <a:r>
+                        <a:rPr lang="mr-IN" sz="1200" b="0" i="0" u="none" strike="noStrike">
+                          <a:solidFill>
+                            <a:srgbClr val="000000"/>
+                          </a:solidFill>
+                          <a:effectLst/>
+                          <a:latin typeface="宋体"/>
+                        </a:rPr>
+                        <a:t>F(%)</a:t>
+                      </a:r>
+                    </a:p>
+                  </a:txBody>
+                  <a:tcPr marL="12700" marR="12700" marT="12700" marB="0" anchor="b"/>
+                </a:tc>
+              </a:tr>
+              <a:tr h="370840">
+                <a:tc>
+                  <a:txBody>
+                    <a:bodyPr/>
+                    <a:lstStyle/>
+                    <a:p>
+                      <a:pPr algn="ctr" fontAlgn="ctr"/>
+                      <a:r>
+                        <a:rPr lang="en-US" sz="1200" b="0" i="0" u="none" strike="noStrike">
+                          <a:solidFill>
+                            <a:srgbClr val="000000"/>
+                          </a:solidFill>
+                          <a:effectLst/>
+                          <a:latin typeface="宋体"/>
+                        </a:rPr>
+                        <a:t>ROUGE-1</a:t>
+                      </a:r>
+                    </a:p>
+                  </a:txBody>
+                  <a:tcPr marL="12700" marR="12700" marT="12700" marB="0" anchor="b"/>
+                </a:tc>
+                <a:tc>
+                  <a:txBody>
+                    <a:bodyPr/>
+                    <a:lstStyle/>
+                    <a:p>
+                      <a:pPr algn="ctr" fontAlgn="ctr"/>
+                      <a:r>
+                        <a:rPr lang="fi-FI" sz="1200" b="0" i="0" u="none" strike="noStrike">
+                          <a:solidFill>
+                            <a:srgbClr val="000000"/>
+                          </a:solidFill>
+                          <a:effectLst/>
+                          <a:latin typeface="宋体"/>
+                        </a:rPr>
+                        <a:t>22.887</a:t>
+                      </a:r>
+                    </a:p>
+                  </a:txBody>
+                  <a:tcPr marL="12700" marR="12700" marT="12700" marB="0" anchor="b"/>
+                </a:tc>
+                <a:tc>
+                  <a:txBody>
+                    <a:bodyPr/>
+                    <a:lstStyle/>
+                    <a:p>
+                      <a:pPr algn="ctr" fontAlgn="ctr"/>
+                      <a:r>
+                        <a:rPr lang="hr-HR" sz="1200" b="0" i="0" u="none" strike="noStrike">
+                          <a:solidFill>
+                            <a:srgbClr val="000000"/>
+                          </a:solidFill>
+                          <a:effectLst/>
+                          <a:latin typeface="宋体"/>
+                        </a:rPr>
+                        <a:t>28.247</a:t>
+                      </a:r>
+                    </a:p>
+                  </a:txBody>
+                  <a:tcPr marL="12700" marR="12700" marT="12700" marB="0" anchor="b"/>
+                </a:tc>
+                <a:tc>
+                  <a:txBody>
+                    <a:bodyPr/>
+                    <a:lstStyle/>
+                    <a:p>
+                      <a:pPr algn="ctr" fontAlgn="ctr"/>
+                      <a:r>
+                        <a:rPr lang="nb-NO" sz="1200" b="0" i="0" u="none" strike="noStrike">
+                          <a:solidFill>
+                            <a:srgbClr val="000000"/>
+                          </a:solidFill>
+                          <a:effectLst/>
+                          <a:latin typeface="宋体"/>
+                        </a:rPr>
+                        <a:t>25.085</a:t>
+                      </a:r>
+                    </a:p>
+                  </a:txBody>
+                  <a:tcPr marL="12700" marR="12700" marT="12700" marB="0" anchor="b"/>
+                </a:tc>
+              </a:tr>
+              <a:tr h="370840">
+                <a:tc>
+                  <a:txBody>
+                    <a:bodyPr/>
+                    <a:lstStyle/>
+                    <a:p>
+                      <a:pPr algn="ctr" fontAlgn="ctr"/>
+                      <a:r>
+                        <a:rPr lang="en-US" sz="1200" b="0" i="0" u="none" strike="noStrike">
+                          <a:solidFill>
+                            <a:srgbClr val="000000"/>
+                          </a:solidFill>
+                          <a:effectLst/>
+                          <a:latin typeface="宋体"/>
+                        </a:rPr>
+                        <a:t>ROUGE-2</a:t>
+                      </a:r>
+                    </a:p>
+                  </a:txBody>
+                  <a:tcPr marL="12700" marR="12700" marT="12700" marB="0" anchor="b"/>
+                </a:tc>
+                <a:tc>
+                  <a:txBody>
+                    <a:bodyPr/>
+                    <a:lstStyle/>
+                    <a:p>
+                      <a:pPr algn="ctr" fontAlgn="ctr"/>
+                      <a:r>
+                        <a:rPr lang="hr-HR" sz="1200" b="0" i="0" u="none" strike="noStrike">
+                          <a:solidFill>
+                            <a:srgbClr val="000000"/>
+                          </a:solidFill>
+                          <a:effectLst/>
+                          <a:latin typeface="宋体"/>
+                        </a:rPr>
+                        <a:t>6.366</a:t>
+                      </a:r>
+                    </a:p>
+                  </a:txBody>
+                  <a:tcPr marL="12700" marR="12700" marT="12700" marB="0" anchor="b"/>
+                </a:tc>
+                <a:tc>
+                  <a:txBody>
+                    <a:bodyPr/>
+                    <a:lstStyle/>
+                    <a:p>
+                      <a:pPr algn="ctr" fontAlgn="ctr"/>
+                      <a:r>
+                        <a:rPr lang="nb-NO" sz="1200" b="0" i="0" u="none" strike="noStrike">
+                          <a:solidFill>
+                            <a:srgbClr val="000000"/>
+                          </a:solidFill>
+                          <a:effectLst/>
+                          <a:latin typeface="宋体"/>
+                        </a:rPr>
+                        <a:t>7.789</a:t>
+                      </a:r>
+                    </a:p>
+                  </a:txBody>
+                  <a:tcPr marL="12700" marR="12700" marT="12700" marB="0" anchor="b"/>
+                </a:tc>
+                <a:tc>
+                  <a:txBody>
+                    <a:bodyPr/>
+                    <a:lstStyle/>
+                    <a:p>
+                      <a:pPr algn="ctr" fontAlgn="ctr"/>
+                      <a:r>
+                        <a:rPr lang="hr-HR" sz="1200" b="0" i="0" u="none" strike="noStrike">
+                          <a:solidFill>
+                            <a:srgbClr val="000000"/>
+                          </a:solidFill>
+                          <a:effectLst/>
+                          <a:latin typeface="宋体"/>
+                        </a:rPr>
+                        <a:t>6.954</a:t>
+                      </a:r>
+                    </a:p>
+                  </a:txBody>
+                  <a:tcPr marL="12700" marR="12700" marT="12700" marB="0" anchor="b"/>
+                </a:tc>
+              </a:tr>
+              <a:tr h="370840">
+                <a:tc>
+                  <a:txBody>
+                    <a:bodyPr/>
+                    <a:lstStyle/>
+                    <a:p>
+                      <a:pPr algn="ctr" fontAlgn="ctr"/>
+                      <a:r>
+                        <a:rPr lang="en-US" sz="1200" b="0" i="0" u="none" strike="noStrike">
+                          <a:solidFill>
+                            <a:srgbClr val="000000"/>
+                          </a:solidFill>
+                          <a:effectLst/>
+                          <a:latin typeface="宋体"/>
+                        </a:rPr>
+                        <a:t>ROUGE-3</a:t>
+                      </a:r>
+                    </a:p>
+                  </a:txBody>
+                  <a:tcPr marL="12700" marR="12700" marT="12700" marB="0" anchor="b"/>
+                </a:tc>
+                <a:tc>
+                  <a:txBody>
+                    <a:bodyPr/>
+                    <a:lstStyle/>
+                    <a:p>
+                      <a:pPr algn="ctr" fontAlgn="ctr"/>
+                      <a:r>
+                        <a:rPr lang="hr-HR" sz="1200" b="0" i="0" u="none" strike="noStrike">
+                          <a:solidFill>
+                            <a:srgbClr val="000000"/>
+                          </a:solidFill>
+                          <a:effectLst/>
+                          <a:latin typeface="宋体"/>
+                        </a:rPr>
+                        <a:t>2.158</a:t>
+                      </a:r>
+                    </a:p>
+                  </a:txBody>
+                  <a:tcPr marL="12700" marR="12700" marT="12700" marB="0" anchor="b"/>
+                </a:tc>
+                <a:tc>
+                  <a:txBody>
+                    <a:bodyPr/>
+                    <a:lstStyle/>
+                    <a:p>
+                      <a:pPr algn="ctr" fontAlgn="ctr"/>
+                      <a:r>
+                        <a:rPr lang="hr-HR" sz="1200" b="0" i="0" u="none" strike="noStrike">
+                          <a:solidFill>
+                            <a:srgbClr val="000000"/>
+                          </a:solidFill>
+                          <a:effectLst/>
+                          <a:latin typeface="宋体"/>
+                        </a:rPr>
+                        <a:t>2.658</a:t>
+                      </a:r>
+                    </a:p>
+                  </a:txBody>
+                  <a:tcPr marL="12700" marR="12700" marT="12700" marB="0" anchor="b"/>
+                </a:tc>
+                <a:tc>
+                  <a:txBody>
+                    <a:bodyPr/>
+                    <a:lstStyle/>
+                    <a:p>
+                      <a:pPr algn="ctr" fontAlgn="ctr"/>
+                      <a:r>
+                        <a:rPr lang="is-IS" sz="1200" b="0" i="0" u="none" strike="noStrike">
+                          <a:solidFill>
+                            <a:srgbClr val="000000"/>
+                          </a:solidFill>
+                          <a:effectLst/>
+                          <a:latin typeface="宋体"/>
+                        </a:rPr>
+                        <a:t>2.363</a:t>
+                      </a:r>
+                    </a:p>
+                  </a:txBody>
+                  <a:tcPr marL="12700" marR="12700" marT="12700" marB="0" anchor="b"/>
+                </a:tc>
+              </a:tr>
+              <a:tr h="370840">
+                <a:tc>
+                  <a:txBody>
+                    <a:bodyPr/>
+                    <a:lstStyle/>
+                    <a:p>
+                      <a:pPr algn="ctr" fontAlgn="ctr"/>
+                      <a:r>
+                        <a:rPr lang="en-US" sz="1200" b="0" i="0" u="none" strike="noStrike">
+                          <a:solidFill>
+                            <a:srgbClr val="000000"/>
+                          </a:solidFill>
+                          <a:effectLst/>
+                          <a:latin typeface="宋体"/>
+                        </a:rPr>
+                        <a:t>ROUGE-4</a:t>
+                      </a:r>
+                    </a:p>
+                  </a:txBody>
+                  <a:tcPr marL="12700" marR="12700" marT="12700" marB="0" anchor="b"/>
+                </a:tc>
+                <a:tc>
+                  <a:txBody>
+                    <a:bodyPr/>
+                    <a:lstStyle/>
+                    <a:p>
+                      <a:pPr algn="ctr" fontAlgn="ctr"/>
+                      <a:r>
+                        <a:rPr lang="it-IT" sz="1200" b="0" i="0" u="none" strike="noStrike">
+                          <a:solidFill>
+                            <a:srgbClr val="000000"/>
+                          </a:solidFill>
+                          <a:effectLst/>
+                          <a:latin typeface="宋体"/>
+                        </a:rPr>
+                        <a:t>0.895</a:t>
+                      </a:r>
+                    </a:p>
+                  </a:txBody>
+                  <a:tcPr marL="12700" marR="12700" marT="12700" marB="0" anchor="b"/>
+                </a:tc>
+                <a:tc>
+                  <a:txBody>
+                    <a:bodyPr/>
+                    <a:lstStyle/>
+                    <a:p>
+                      <a:pPr algn="ctr" fontAlgn="ctr"/>
+                      <a:r>
+                        <a:rPr lang="nb-NO" sz="1200" b="0" i="0" u="none" strike="noStrike">
+                          <a:solidFill>
+                            <a:srgbClr val="000000"/>
+                          </a:solidFill>
+                          <a:effectLst/>
+                          <a:latin typeface="宋体"/>
+                        </a:rPr>
+                        <a:t>1.115</a:t>
+                      </a:r>
+                    </a:p>
+                  </a:txBody>
+                  <a:tcPr marL="12700" marR="12700" marT="12700" marB="0" anchor="b"/>
+                </a:tc>
+                <a:tc>
+                  <a:txBody>
+                    <a:bodyPr/>
+                    <a:lstStyle/>
+                    <a:p>
+                      <a:pPr algn="ctr" fontAlgn="ctr"/>
+                      <a:r>
+                        <a:rPr lang="nb-NO" sz="1200" b="0" i="0" u="none" strike="noStrike" dirty="0">
+                          <a:solidFill>
+                            <a:srgbClr val="000000"/>
+                          </a:solidFill>
+                          <a:effectLst/>
+                          <a:latin typeface="宋体"/>
+                        </a:rPr>
+                        <a:t>0.985</a:t>
+                      </a:r>
+                    </a:p>
+                  </a:txBody>
+                  <a:tcPr marL="12700" marR="12700" marT="12700" marB="0" anchor="b"/>
+                </a:tc>
+              </a:tr>
+            </a:tbl>
+          </a:graphicData>
+        </a:graphic>
+      </p:graphicFrame>
+      <p:sp>
+        <p:nvSpPr>
+          <p:cNvPr id="5" name="矩形 4"/>
+          <p:cNvSpPr/>
+          <p:nvPr/>
+        </p:nvSpPr>
         <p:spPr>
           <a:xfrm>
-            <a:off x="0" y="2247900"/>
-            <a:ext cx="9144000" cy="3878263"/>
+            <a:off x="4099569" y="3546102"/>
+            <a:ext cx="954936" cy="1015663"/>
           </a:xfrm>
+          <a:prstGeom prst="rect">
+            <a:avLst/>
+          </a:prstGeom>
         </p:spPr>
-      </p:pic>
+        <p:txBody>
+          <a:bodyPr wrap="square">
+            <a:spAutoFit/>
+          </a:bodyPr>
+          <a:lstStyle/>
+          <a:p>
+            <a:r>
+              <a:rPr lang="zh-CN" altLang="en-US" sz="6000" dirty="0">
+                <a:latin typeface="Wingdings"/>
+                <a:ea typeface="Wingdings"/>
+                <a:cs typeface="Wingdings"/>
+              </a:rPr>
+              <a:t></a:t>
+            </a:r>
+            <a:endParaRPr lang="zh-CN" altLang="en-US" sz="6000" dirty="0"/>
+          </a:p>
+        </p:txBody>
+      </p:sp>
+      <p:sp>
+        <p:nvSpPr>
+          <p:cNvPr id="8" name="文本框 7"/>
+          <p:cNvSpPr txBox="1"/>
+          <p:nvPr/>
+        </p:nvSpPr>
+        <p:spPr>
+          <a:xfrm>
+            <a:off x="1974492" y="2565266"/>
+            <a:ext cx="478729" cy="369332"/>
+          </a:xfrm>
+          <a:prstGeom prst="rect">
+            <a:avLst/>
+          </a:prstGeom>
+          <a:noFill/>
+        </p:spPr>
+        <p:txBody>
+          <a:bodyPr wrap="none" rtlCol="0">
+            <a:spAutoFit/>
+          </a:bodyPr>
+          <a:lstStyle/>
+          <a:p>
+            <a:r>
+              <a:rPr kumimoji="1" lang="en-US" altLang="zh-CN" dirty="0" smtClean="0"/>
+              <a:t>D2</a:t>
+            </a:r>
+            <a:endParaRPr kumimoji="1" lang="zh-CN" altLang="en-US" dirty="0"/>
+          </a:p>
+        </p:txBody>
+      </p:sp>
+      <p:sp>
+        <p:nvSpPr>
+          <p:cNvPr id="9" name="文本框 8"/>
+          <p:cNvSpPr txBox="1"/>
+          <p:nvPr/>
+        </p:nvSpPr>
+        <p:spPr>
+          <a:xfrm>
+            <a:off x="6867061" y="2565266"/>
+            <a:ext cx="478729" cy="369332"/>
+          </a:xfrm>
+          <a:prstGeom prst="rect">
+            <a:avLst/>
+          </a:prstGeom>
+          <a:noFill/>
+        </p:spPr>
+        <p:txBody>
+          <a:bodyPr wrap="none" rtlCol="0">
+            <a:spAutoFit/>
+          </a:bodyPr>
+          <a:lstStyle/>
+          <a:p>
+            <a:r>
+              <a:rPr kumimoji="1" lang="en-US" altLang="zh-CN" dirty="0" smtClean="0"/>
+              <a:t>D3</a:t>
+            </a:r>
+            <a:endParaRPr kumimoji="1" lang="zh-CN" altLang="en-US" dirty="0"/>
+          </a:p>
+        </p:txBody>
+      </p:sp>
+      <p:sp>
+        <p:nvSpPr>
+          <p:cNvPr id="10" name="文本框 9"/>
+          <p:cNvSpPr txBox="1"/>
+          <p:nvPr/>
+        </p:nvSpPr>
+        <p:spPr>
+          <a:xfrm>
+            <a:off x="698500" y="5803809"/>
+            <a:ext cx="5896078" cy="646331"/>
+          </a:xfrm>
+          <a:prstGeom prst="rect">
+            <a:avLst/>
+          </a:prstGeom>
+          <a:noFill/>
+        </p:spPr>
+        <p:txBody>
+          <a:bodyPr wrap="none" rtlCol="0">
+            <a:spAutoFit/>
+          </a:bodyPr>
+          <a:lstStyle/>
+          <a:p>
+            <a:r>
+              <a:rPr kumimoji="1" lang="en-US" altLang="zh-CN" dirty="0" smtClean="0"/>
+              <a:t>Data used: .</a:t>
+            </a:r>
+            <a:r>
+              <a:rPr kumimoji="1" lang="en-US" altLang="zh-CN" dirty="0" smtClean="0"/>
+              <a:t>.</a:t>
+            </a:r>
+            <a:r>
+              <a:rPr kumimoji="1" lang="en-US" altLang="zh-CN" dirty="0" smtClean="0"/>
+              <a:t>/</a:t>
+            </a:r>
+            <a:r>
+              <a:rPr kumimoji="1" lang="en-US" altLang="zh-CN" dirty="0" err="1"/>
+              <a:t>devtest</a:t>
+            </a:r>
+            <a:r>
+              <a:rPr kumimoji="1" lang="en-US" altLang="zh-CN" dirty="0"/>
+              <a:t>/GuidedSumm10_test_topics.xml</a:t>
+            </a:r>
+            <a:endParaRPr kumimoji="1" lang="en-US" altLang="zh-CN" dirty="0" smtClean="0"/>
+          </a:p>
+          <a:p>
+            <a:r>
+              <a:rPr kumimoji="1" lang="en-US" altLang="zh-CN" dirty="0" smtClean="0"/>
+              <a:t>ID from </a:t>
+            </a:r>
+            <a:r>
+              <a:rPr kumimoji="1" lang="is-IS" altLang="zh-CN" dirty="0"/>
+              <a:t>D1001A </a:t>
+            </a:r>
+            <a:r>
+              <a:rPr kumimoji="1" lang="is-IS" altLang="zh-CN" dirty="0"/>
+              <a:t>to </a:t>
+            </a:r>
+            <a:r>
+              <a:rPr kumimoji="1" lang="is-IS" altLang="zh-CN" dirty="0"/>
+              <a:t>D1046H </a:t>
+            </a:r>
+            <a:r>
+              <a:rPr kumimoji="1" lang="en-US" altLang="zh-CN" dirty="0" smtClean="0"/>
+              <a:t> </a:t>
+            </a:r>
+            <a:endParaRPr kumimoji="1" lang="zh-CN" altLang="en-US" dirty="0"/>
+          </a:p>
+        </p:txBody>
+      </p:sp>
     </p:spTree>
     <p:extLst>
       <p:ext uri="{BB962C8B-B14F-4D97-AF65-F5344CB8AC3E}">
-        <p14:creationId xmlns:p14="http://schemas.microsoft.com/office/powerpoint/2010/main" val="113405179"/>
+        <p14:creationId xmlns:p14="http://schemas.microsoft.com/office/powerpoint/2010/main" val="1360868259"/>
       </p:ext>
     </p:extLst>
   </p:cSld>
@@ -7103,146 +7492,59 @@
         <p:spPr/>
         <p:txBody>
           <a:bodyPr>
-            <a:normAutofit fontScale="92500" lnSpcReduction="10000"/>
+            <a:normAutofit/>
           </a:bodyPr>
           <a:lstStyle/>
           <a:p>
             <a:r>
-              <a:rPr kumimoji="1" lang="en-US" altLang="zh-CN" dirty="0" smtClean="0"/>
-              <a:t>Give four score for the previous four features.</a:t>
-            </a:r>
-          </a:p>
-          <a:p>
-            <a:pPr lvl="1"/>
-            <a:r>
-              <a:rPr kumimoji="1" lang="en-US" altLang="zh-CN" dirty="0" err="1" smtClean="0"/>
-              <a:t>FrequencyScore</a:t>
-            </a:r>
-            <a:r>
-              <a:rPr kumimoji="1" lang="en-US" altLang="zh-CN" dirty="0" smtClean="0"/>
-              <a:t>(FS)</a:t>
-            </a:r>
-          </a:p>
-          <a:p>
-            <a:pPr lvl="1"/>
-            <a:r>
-              <a:rPr kumimoji="1" lang="en-US" altLang="zh-CN" dirty="0" err="1" smtClean="0"/>
-              <a:t>PositionScore</a:t>
-            </a:r>
-            <a:r>
-              <a:rPr kumimoji="1" lang="en-US" altLang="zh-CN" dirty="0" smtClean="0"/>
-              <a:t>(PS)</a:t>
-            </a:r>
-          </a:p>
-          <a:p>
-            <a:pPr lvl="1"/>
-            <a:r>
-              <a:rPr kumimoji="1" lang="en-US" altLang="zh-CN" dirty="0" err="1" smtClean="0"/>
-              <a:t>CueWordScore</a:t>
-            </a:r>
-            <a:r>
-              <a:rPr kumimoji="1" lang="en-US" altLang="zh-CN" dirty="0" smtClean="0"/>
-              <a:t>(CWS)</a:t>
-            </a:r>
-          </a:p>
-          <a:p>
-            <a:pPr lvl="1"/>
-            <a:r>
-              <a:rPr kumimoji="1" lang="en-US" altLang="zh-CN" dirty="0" err="1" smtClean="0"/>
-              <a:t>SimilarityScore</a:t>
-            </a:r>
-            <a:r>
-              <a:rPr kumimoji="1" lang="en-US" altLang="zh-CN" dirty="0" smtClean="0"/>
-              <a:t>(SS)</a:t>
-            </a:r>
-            <a:endParaRPr kumimoji="1" lang="en-US" altLang="zh-CN" dirty="0"/>
+              <a:rPr lang="en-US" altLang="zh-CN" i="1" dirty="0" smtClean="0"/>
+              <a:t>PRP    </a:t>
+            </a:r>
+            <a:r>
+              <a:rPr lang="en-US" altLang="zh-CN" i="1" dirty="0"/>
+              <a:t>Personal </a:t>
+            </a:r>
+            <a:r>
+              <a:rPr lang="en-US" altLang="zh-CN" i="1" dirty="0" smtClean="0"/>
+              <a:t>pronoun</a:t>
+            </a:r>
+            <a:r>
+              <a:rPr lang="en-US" altLang="zh-CN" i="1" dirty="0"/>
+              <a:t> </a:t>
+            </a:r>
+            <a:r>
+              <a:rPr lang="en-US" altLang="zh-CN" i="1" dirty="0" smtClean="0"/>
+              <a:t>&amp; PRP</a:t>
+            </a:r>
+            <a:r>
+              <a:rPr lang="en-US" altLang="zh-CN" i="1" dirty="0"/>
+              <a:t>$   Possessive </a:t>
+            </a:r>
+            <a:r>
+              <a:rPr lang="en-US" altLang="zh-CN" i="1" dirty="0" smtClean="0"/>
+              <a:t>pronoun</a:t>
+            </a:r>
+          </a:p>
+          <a:p>
+            <a:endParaRPr lang="en-US" altLang="zh-CN" i="1" dirty="0"/>
+          </a:p>
+          <a:p>
+            <a:r>
+              <a:rPr lang="en-US" altLang="zh-CN" dirty="0" smtClean="0"/>
+              <a:t>Fully utilize 100 words</a:t>
+            </a:r>
+          </a:p>
+          <a:p>
+            <a:endParaRPr lang="en-US" altLang="zh-CN" dirty="0"/>
+          </a:p>
+          <a:p>
+            <a:endParaRPr lang="en-US" altLang="zh-CN" dirty="0" smtClean="0"/>
+          </a:p>
+          <a:p>
+            <a:endParaRPr kumimoji="1" lang="en-US" altLang="zh-CN" i="1" dirty="0"/>
           </a:p>
           <a:p>
             <a:endParaRPr kumimoji="1" lang="en-US" altLang="zh-CN" dirty="0" smtClean="0"/>
-          </a:p>
-          <a:p>
-            <a:r>
-              <a:rPr kumimoji="1" lang="en-US" altLang="zh-CN" dirty="0" smtClean="0"/>
-              <a:t>Final score = a*FS + b*PS + c*CWS + d*SS</a:t>
-            </a:r>
-          </a:p>
-          <a:p>
-            <a:r>
-              <a:rPr kumimoji="1" lang="en-US" altLang="zh-CN" dirty="0" smtClean="0"/>
-              <a:t>Real implementation :</a:t>
-            </a:r>
-          </a:p>
-          <a:p>
-            <a:pPr lvl="1"/>
-            <a:r>
-              <a:rPr lang="en-US" altLang="zh-CN" dirty="0" err="1" smtClean="0"/>
-              <a:t>SentenceScore</a:t>
-            </a:r>
-            <a:r>
-              <a:rPr lang="en-US" altLang="zh-CN" dirty="0" smtClean="0"/>
-              <a:t> </a:t>
-            </a:r>
-            <a:r>
-              <a:rPr lang="en-US" altLang="zh-CN" dirty="0"/>
-              <a:t>= (</a:t>
-            </a:r>
-            <a:r>
-              <a:rPr lang="en-US" altLang="zh-CN" dirty="0" err="1"/>
-              <a:t>FrequencyScore</a:t>
-            </a:r>
-            <a:r>
-              <a:rPr lang="en-US" altLang="zh-CN" dirty="0"/>
-              <a:t> + </a:t>
-            </a:r>
-            <a:r>
-              <a:rPr lang="en-US" altLang="zh-CN" dirty="0" err="1"/>
-              <a:t>SimilarityScore</a:t>
-            </a:r>
-            <a:r>
-              <a:rPr lang="en-US" altLang="zh-CN" dirty="0"/>
-              <a:t>) * </a:t>
-            </a:r>
-            <a:r>
-              <a:rPr lang="en-US" altLang="zh-CN" dirty="0" err="1"/>
-              <a:t>PositionScore</a:t>
-            </a:r>
-            <a:r>
-              <a:rPr lang="en-US" altLang="zh-CN" dirty="0"/>
-              <a:t> * </a:t>
-            </a:r>
-            <a:r>
-              <a:rPr lang="en-US" altLang="zh-CN" dirty="0" smtClean="0"/>
-              <a:t>(</a:t>
-            </a:r>
-            <a:r>
-              <a:rPr lang="en-US" altLang="zh-CN" dirty="0"/>
-              <a:t>1 + (</a:t>
-            </a:r>
-            <a:r>
-              <a:rPr lang="en-US" altLang="zh-CN" dirty="0" err="1"/>
-              <a:t>CueWordScore</a:t>
-            </a:r>
-            <a:r>
-              <a:rPr lang="en-US" altLang="zh-CN" dirty="0"/>
-              <a:t> * 0.1</a:t>
-            </a:r>
-            <a:r>
-              <a:rPr lang="en-US" altLang="zh-CN" dirty="0" smtClean="0"/>
-              <a:t>))</a:t>
-            </a:r>
-          </a:p>
-          <a:p>
-            <a:pPr lvl="1"/>
-            <a:r>
-              <a:rPr kumimoji="1" lang="en-US" altLang="zh-CN" dirty="0" smtClean="0"/>
-              <a:t>Still need tuning</a:t>
-            </a:r>
-          </a:p>
-          <a:p>
-            <a:endParaRPr kumimoji="1" lang="en-US" altLang="zh-CN" dirty="0" smtClean="0"/>
-          </a:p>
-          <a:p>
-            <a:endParaRPr kumimoji="1" lang="zh-CN" altLang="en-US" dirty="0"/>
           </a:p>
         </p:txBody>
       </p:sp>
@@ -7263,7 +7565,7 @@
           <a:p>
             <a:r>
               <a:rPr kumimoji="1" lang="en-US" altLang="zh-CN" dirty="0" smtClean="0"/>
-              <a:t>Sentence Score</a:t>
+              <a:t>Issues</a:t>
             </a:r>
             <a:endParaRPr kumimoji="1" lang="zh-CN" altLang="en-US" dirty="0"/>
           </a:p>
@@ -7272,7 +7574,7 @@
     </p:spTree>
     <p:extLst>
       <p:ext uri="{BB962C8B-B14F-4D97-AF65-F5344CB8AC3E}">
-        <p14:creationId xmlns:p14="http://schemas.microsoft.com/office/powerpoint/2010/main" val="114726732"/>
+        <p14:creationId xmlns:p14="http://schemas.microsoft.com/office/powerpoint/2010/main" val="2045028837"/>
       </p:ext>
     </p:extLst>
   </p:cSld>
